--- a/Ironhack.pptx
+++ b/Ironhack.pptx
@@ -3625,7 +3625,7 @@
         </p:blipFill>
         <p:spPr bwMode="auto">
           <a:xfrm>
-            <a:off x="542926" y="2095500"/>
+            <a:off x="443535" y="2552700"/>
             <a:ext cx="5021942" cy="3295650"/>
           </a:xfrm>
           <a:prstGeom prst="rect">
@@ -3672,7 +3672,7 @@
         </p:blipFill>
         <p:spPr bwMode="auto">
           <a:xfrm>
-            <a:off x="3767138" y="1990725"/>
+            <a:off x="3985799" y="2338595"/>
             <a:ext cx="5672137" cy="3504194"/>
           </a:xfrm>
           <a:prstGeom prst="rect">
@@ -3700,6 +3700,126 @@
   <p:clrMapOvr>
     <a:masterClrMapping/>
   </p:clrMapOvr>
+  <p:timing>
+    <p:tnLst>
+      <p:par>
+        <p:cTn id="1" dur="indefinite" restart="never" nodeType="tmRoot">
+          <p:childTnLst>
+            <p:seq concurrent="1" nextAc="seek">
+              <p:cTn id="2" dur="indefinite" nodeType="mainSeq">
+                <p:childTnLst>
+                  <p:par>
+                    <p:cTn id="3" fill="hold">
+                      <p:stCondLst>
+                        <p:cond delay="indefinite"/>
+                      </p:stCondLst>
+                      <p:childTnLst>
+                        <p:par>
+                          <p:cTn id="4" fill="hold">
+                            <p:stCondLst>
+                              <p:cond delay="0"/>
+                            </p:stCondLst>
+                            <p:childTnLst>
+                              <p:par>
+                                <p:cTn id="5" presetID="1" presetClass="entr" presetSubtype="0" fill="hold" nodeType="clickEffect">
+                                  <p:stCondLst>
+                                    <p:cond delay="0"/>
+                                  </p:stCondLst>
+                                  <p:childTnLst>
+                                    <p:set>
+                                      <p:cBhvr>
+                                        <p:cTn id="6" dur="1" fill="hold">
+                                          <p:stCondLst>
+                                            <p:cond delay="0"/>
+                                          </p:stCondLst>
+                                        </p:cTn>
+                                        <p:tgtEl>
+                                          <p:spTgt spid="1026"/>
+                                        </p:tgtEl>
+                                        <p:attrNameLst>
+                                          <p:attrName>style.visibility</p:attrName>
+                                        </p:attrNameLst>
+                                      </p:cBhvr>
+                                      <p:to>
+                                        <p:strVal val="visible"/>
+                                      </p:to>
+                                    </p:set>
+                                  </p:childTnLst>
+                                </p:cTn>
+                              </p:par>
+                            </p:childTnLst>
+                          </p:cTn>
+                        </p:par>
+                      </p:childTnLst>
+                    </p:cTn>
+                  </p:par>
+                  <p:par>
+                    <p:cTn id="7" fill="hold">
+                      <p:stCondLst>
+                        <p:cond delay="indefinite"/>
+                      </p:stCondLst>
+                      <p:childTnLst>
+                        <p:par>
+                          <p:cTn id="8" fill="hold">
+                            <p:stCondLst>
+                              <p:cond delay="0"/>
+                            </p:stCondLst>
+                            <p:childTnLst>
+                              <p:par>
+                                <p:cTn id="9" presetID="1" presetClass="entr" presetSubtype="0" fill="hold" nodeType="clickEffect">
+                                  <p:stCondLst>
+                                    <p:cond delay="0"/>
+                                  </p:stCondLst>
+                                  <p:childTnLst>
+                                    <p:set>
+                                      <p:cBhvr>
+                                        <p:cTn id="10" dur="1" fill="hold">
+                                          <p:stCondLst>
+                                            <p:cond delay="0"/>
+                                          </p:stCondLst>
+                                        </p:cTn>
+                                        <p:tgtEl>
+                                          <p:spTgt spid="1028"/>
+                                        </p:tgtEl>
+                                        <p:attrNameLst>
+                                          <p:attrName>style.visibility</p:attrName>
+                                        </p:attrNameLst>
+                                      </p:cBhvr>
+                                      <p:to>
+                                        <p:strVal val="visible"/>
+                                      </p:to>
+                                    </p:set>
+                                  </p:childTnLst>
+                                </p:cTn>
+                              </p:par>
+                            </p:childTnLst>
+                          </p:cTn>
+                        </p:par>
+                      </p:childTnLst>
+                    </p:cTn>
+                  </p:par>
+                </p:childTnLst>
+              </p:cTn>
+              <p:prevCondLst>
+                <p:cond evt="onPrev" delay="0">
+                  <p:tgtEl>
+                    <p:sldTgt/>
+                  </p:tgtEl>
+                </p:cond>
+              </p:prevCondLst>
+              <p:nextCondLst>
+                <p:cond evt="onNext" delay="0">
+                  <p:tgtEl>
+                    <p:sldTgt/>
+                  </p:tgtEl>
+                </p:cond>
+              </p:nextCondLst>
+            </p:seq>
+          </p:childTnLst>
+        </p:cTn>
+      </p:par>
+    </p:tnLst>
+  </p:timing>
 </p:sld>
 </file>
 
@@ -3750,10 +3870,10 @@
       </p:sp>
       <p:sp>
         <p:nvSpPr>
-          <p:cNvPr id="3" name="Marcador de contenido 2">
+          <p:cNvPr id="6" name="Marcador de contenido 5">
             <a:extLst>
               <a:ext uri="{FF2B5EF4-FFF2-40B4-BE49-F238E27FC236}">
-                <a16:creationId xmlns:a16="http://schemas.microsoft.com/office/drawing/2014/main" id="{A52AAFA9-33CB-4606-A036-81677C1018E5}"/>
+                <a16:creationId xmlns:a16="http://schemas.microsoft.com/office/drawing/2014/main" id="{BE9B8E3D-775C-4D35-A205-22BED60FE1FA}"/>
               </a:ext>
             </a:extLst>
           </p:cNvPr>
@@ -3769,7 +3889,7 @@
           <a:bodyPr/>
           <a:lstStyle/>
           <a:p>
-            <a:endParaRPr lang="en-GB" dirty="0"/>
+            <a:endParaRPr lang="en-GB"/>
           </a:p>
         </p:txBody>
       </p:sp>
@@ -3904,12 +4024,17 @@
             <p:ph type="title"/>
           </p:nvPr>
         </p:nvSpPr>
-        <p:spPr/>
-        <p:txBody>
-          <a:bodyPr/>
-          <a:lstStyle/>
-          <a:p>
-            <a:endParaRPr lang="en-GB"/>
+        <p:spPr>
+          <a:xfrm>
+            <a:off x="-942976" y="688377"/>
+            <a:ext cx="10772775" cy="1658198"/>
+          </a:xfrm>
+        </p:spPr>
+        <p:txBody>
+          <a:bodyPr/>
+          <a:lstStyle/>
+          <a:p>
+            <a:endParaRPr lang="en-GB" dirty="0"/>
           </a:p>
         </p:txBody>
       </p:sp>
@@ -3934,10 +4059,57 @@
           <a:bodyPr/>
           <a:lstStyle/>
           <a:p>
-            <a:endParaRPr lang="en-GB"/>
-          </a:p>
-        </p:txBody>
-      </p:sp>
+            <a:endParaRPr lang="en-GB" dirty="0"/>
+          </a:p>
+        </p:txBody>
+      </p:sp>
+      <p:pic>
+        <p:nvPicPr>
+          <p:cNvPr id="2050" name="Picture 2">
+            <a:extLst>
+              <a:ext uri="{FF2B5EF4-FFF2-40B4-BE49-F238E27FC236}">
+                <a16:creationId xmlns:a16="http://schemas.microsoft.com/office/drawing/2014/main" id="{3450237B-609C-418F-AA16-7F0156EFDE56}"/>
+              </a:ext>
+            </a:extLst>
+          </p:cNvPr>
+          <p:cNvPicPr>
+            <a:picLocks noChangeAspect="1" noChangeArrowheads="1"/>
+          </p:cNvPicPr>
+          <p:nvPr/>
+        </p:nvPicPr>
+        <p:blipFill>
+          <a:blip r:embed="rId2">
+            <a:extLst>
+              <a:ext uri="{28A0092B-C50C-407E-A947-70E740481C1C}">
+                <a14:useLocalDpi xmlns:a14="http://schemas.microsoft.com/office/drawing/2010/main" val="0"/>
+              </a:ext>
+            </a:extLst>
+          </a:blip>
+          <a:srcRect/>
+          <a:stretch>
+            <a:fillRect/>
+          </a:stretch>
+        </p:blipFill>
+        <p:spPr bwMode="auto">
+          <a:xfrm>
+            <a:off x="1152525" y="703194"/>
+            <a:ext cx="6686550" cy="5829300"/>
+          </a:xfrm>
+          <a:prstGeom prst="rect">
+            <a:avLst/>
+          </a:prstGeom>
+          <a:noFill/>
+          <a:extLst>
+            <a:ext uri="{909E8E84-426E-40DD-AFC4-6F175D3DCCD1}">
+              <a14:hiddenFill xmlns:a14="http://schemas.microsoft.com/office/drawing/2010/main">
+                <a:solidFill>
+                  <a:srgbClr val="FFFFFF"/>
+                </a:solidFill>
+              </a14:hiddenFill>
+            </a:ext>
+          </a:extLst>
+        </p:spPr>
+      </p:pic>
     </p:spTree>
     <p:extLst>
       <p:ext uri="{BB962C8B-B14F-4D97-AF65-F5344CB8AC3E}">

--- a/Ironhack.pptx
+++ b/Ironhack.pptx
@@ -8,8 +8,8 @@
     <p:sldId id="256" r:id="rId2"/>
     <p:sldId id="257" r:id="rId3"/>
     <p:sldId id="258" r:id="rId4"/>
-    <p:sldId id="259" r:id="rId5"/>
-    <p:sldId id="260" r:id="rId6"/>
+    <p:sldId id="260" r:id="rId5"/>
+    <p:sldId id="261" r:id="rId6"/>
   </p:sldIdLst>
   <p:sldSz cx="12192000" cy="6858000"/>
   <p:notesSz cx="6858000" cy="9144000"/>
@@ -108,20 +108,17 @@
       </a:defRPr>
     </a:lvl9pPr>
   </p:defaultTextStyle>
+  <p:extLst>
+    <p:ext uri="{EFAFB233-063F-42B5-8137-9DF3F51BA10A}">
+      <p15:sldGuideLst xmlns:p15="http://schemas.microsoft.com/office/powerpoint/2012/main"/>
+    </p:ext>
+  </p:extLst>
 </p:presentation>
 </file>
 
 <file path=ppt/slideLayouts/slideLayout1.xml><?xml version="1.0" encoding="utf-8"?>
 <p:sldLayout xmlns:a="http://schemas.openxmlformats.org/drawingml/2006/main" xmlns:r="http://schemas.openxmlformats.org/officeDocument/2006/relationships" xmlns:p="http://schemas.openxmlformats.org/presentationml/2006/main" type="title" preserve="1">
   <p:cSld name="Diapositiva de título">
-    <p:bg>
-      <p:bgPr>
-        <a:solidFill>
-          <a:schemeClr val="accent1"/>
-        </a:solidFill>
-        <a:effectLst/>
-      </p:bgPr>
-    </p:bg>
     <p:spTree>
       <p:nvGrpSpPr>
         <p:cNvPr id="1" name=""/>
@@ -311,7 +308,7 @@
           <a:p>
             <a:fld id="{32F57E2F-8FA7-4C13-A91F-EB6FA4CE43C5}" type="datetimeFigureOut">
               <a:rPr lang="en-GB" smtClean="0"/>
-              <a:t>28/07/2022</a:t>
+              <a:t>29/07/2022</a:t>
             </a:fld>
             <a:endParaRPr lang="en-GB"/>
           </a:p>
@@ -501,7 +498,7 @@
           <a:p>
             <a:fld id="{32F57E2F-8FA7-4C13-A91F-EB6FA4CE43C5}" type="datetimeFigureOut">
               <a:rPr lang="en-GB" smtClean="0"/>
-              <a:t>28/07/2022</a:t>
+              <a:t>29/07/2022</a:t>
             </a:fld>
             <a:endParaRPr lang="en-GB"/>
           </a:p>
@@ -681,7 +678,7 @@
           <a:p>
             <a:fld id="{32F57E2F-8FA7-4C13-A91F-EB6FA4CE43C5}" type="datetimeFigureOut">
               <a:rPr lang="en-GB" smtClean="0"/>
-              <a:t>28/07/2022</a:t>
+              <a:t>29/07/2022</a:t>
             </a:fld>
             <a:endParaRPr lang="en-GB"/>
           </a:p>
@@ -851,7 +848,7 @@
           <a:p>
             <a:fld id="{32F57E2F-8FA7-4C13-A91F-EB6FA4CE43C5}" type="datetimeFigureOut">
               <a:rPr lang="en-GB" smtClean="0"/>
-              <a:t>28/07/2022</a:t>
+              <a:t>29/07/2022</a:t>
             </a:fld>
             <a:endParaRPr lang="en-GB"/>
           </a:p>
@@ -1107,7 +1104,7 @@
           <a:p>
             <a:fld id="{32F57E2F-8FA7-4C13-A91F-EB6FA4CE43C5}" type="datetimeFigureOut">
               <a:rPr lang="en-GB" smtClean="0"/>
-              <a:t>28/07/2022</a:t>
+              <a:t>29/07/2022</a:t>
             </a:fld>
             <a:endParaRPr lang="en-GB"/>
           </a:p>
@@ -1395,7 +1392,7 @@
           <a:p>
             <a:fld id="{32F57E2F-8FA7-4C13-A91F-EB6FA4CE43C5}" type="datetimeFigureOut">
               <a:rPr lang="en-GB" smtClean="0"/>
-              <a:t>28/07/2022</a:t>
+              <a:t>29/07/2022</a:t>
             </a:fld>
             <a:endParaRPr lang="en-GB"/>
           </a:p>
@@ -1833,7 +1830,7 @@
           <a:p>
             <a:fld id="{32F57E2F-8FA7-4C13-A91F-EB6FA4CE43C5}" type="datetimeFigureOut">
               <a:rPr lang="en-GB" smtClean="0"/>
-              <a:t>28/07/2022</a:t>
+              <a:t>29/07/2022</a:t>
             </a:fld>
             <a:endParaRPr lang="en-GB"/>
           </a:p>
@@ -1951,7 +1948,7 @@
           <a:p>
             <a:fld id="{32F57E2F-8FA7-4C13-A91F-EB6FA4CE43C5}" type="datetimeFigureOut">
               <a:rPr lang="en-GB" smtClean="0"/>
-              <a:t>28/07/2022</a:t>
+              <a:t>29/07/2022</a:t>
             </a:fld>
             <a:endParaRPr lang="en-GB"/>
           </a:p>
@@ -2046,7 +2043,7 @@
           <a:p>
             <a:fld id="{32F57E2F-8FA7-4C13-A91F-EB6FA4CE43C5}" type="datetimeFigureOut">
               <a:rPr lang="en-GB" smtClean="0"/>
-              <a:t>28/07/2022</a:t>
+              <a:t>29/07/2022</a:t>
             </a:fld>
             <a:endParaRPr lang="en-GB"/>
           </a:p>
@@ -2402,7 +2399,7 @@
           <a:p>
             <a:fld id="{32F57E2F-8FA7-4C13-A91F-EB6FA4CE43C5}" type="datetimeFigureOut">
               <a:rPr lang="en-GB" smtClean="0"/>
-              <a:t>28/07/2022</a:t>
+              <a:t>29/07/2022</a:t>
             </a:fld>
             <a:endParaRPr lang="en-GB"/>
           </a:p>
@@ -2476,14 +2473,6 @@
 <file path=ppt/slideLayouts/slideLayout9.xml><?xml version="1.0" encoding="utf-8"?>
 <p:sldLayout xmlns:a="http://schemas.openxmlformats.org/drawingml/2006/main" xmlns:r="http://schemas.openxmlformats.org/officeDocument/2006/relationships" xmlns:p="http://schemas.openxmlformats.org/presentationml/2006/main" type="picTx" preserve="1">
   <p:cSld name="Imagen con título">
-    <p:bg>
-      <p:bgPr>
-        <a:solidFill>
-          <a:schemeClr val="accent1"/>
-        </a:solidFill>
-        <a:effectLst/>
-      </p:bgPr>
-    </p:bg>
     <p:spTree>
       <p:nvGrpSpPr>
         <p:cNvPr id="1" name=""/>
@@ -2718,7 +2707,7 @@
           <a:p>
             <a:fld id="{32F57E2F-8FA7-4C13-A91F-EB6FA4CE43C5}" type="datetimeFigureOut">
               <a:rPr lang="en-GB" smtClean="0"/>
-              <a:t>28/07/2022</a:t>
+              <a:t>29/07/2022</a:t>
             </a:fld>
             <a:endParaRPr lang="en-GB"/>
           </a:p>
@@ -2803,9 +2792,15 @@
 <p:sldMaster xmlns:a="http://schemas.openxmlformats.org/drawingml/2006/main" xmlns:r="http://schemas.openxmlformats.org/officeDocument/2006/relationships" xmlns:p="http://schemas.openxmlformats.org/presentationml/2006/main">
   <p:cSld>
     <p:bg>
-      <p:bgRef idx="1001">
-        <a:schemeClr val="bg1"/>
-      </p:bgRef>
+      <p:bgPr>
+        <a:solidFill>
+          <a:schemeClr val="tx2">
+            <a:lumMod val="10000"/>
+            <a:lumOff val="90000"/>
+          </a:schemeClr>
+        </a:solidFill>
+        <a:effectLst/>
+      </p:bgPr>
     </p:bg>
     <p:spTree>
       <p:nvGrpSpPr>
@@ -2951,7 +2946,7 @@
           <a:p>
             <a:fld id="{32F57E2F-8FA7-4C13-A91F-EB6FA4CE43C5}" type="datetimeFigureOut">
               <a:rPr lang="en-GB" smtClean="0"/>
-              <a:t>28/07/2022</a:t>
+              <a:t>29/07/2022</a:t>
             </a:fld>
             <a:endParaRPr lang="en-GB"/>
           </a:p>
@@ -3373,17 +3368,6 @@
 <file path=ppt/slides/slide1.xml><?xml version="1.0" encoding="utf-8"?>
 <p:sld xmlns:a="http://schemas.openxmlformats.org/drawingml/2006/main" xmlns:r="http://schemas.openxmlformats.org/officeDocument/2006/relationships" xmlns:p="http://schemas.openxmlformats.org/presentationml/2006/main">
   <p:cSld>
-    <p:bg>
-      <p:bgPr>
-        <a:solidFill>
-          <a:schemeClr val="tx2">
-            <a:lumMod val="10000"/>
-            <a:lumOff val="90000"/>
-          </a:schemeClr>
-        </a:solidFill>
-        <a:effectLst/>
-      </p:bgPr>
-    </p:bg>
     <p:spTree>
       <p:nvGrpSpPr>
         <p:cNvPr id="1" name=""/>
@@ -3416,70 +3400,31 @@
         </p:nvSpPr>
         <p:spPr>
           <a:xfrm>
-            <a:off x="288235" y="1091372"/>
+            <a:off x="204152" y="324117"/>
             <a:ext cx="10058400" cy="1450975"/>
           </a:xfrm>
         </p:spPr>
         <p:txBody>
           <a:bodyPr>
-            <a:normAutofit fontScale="90000"/>
+            <a:normAutofit/>
           </a:bodyPr>
           <a:lstStyle/>
           <a:p>
             <a:r>
-              <a:rPr lang="en-GB" dirty="0">
+              <a:rPr lang="en-GB" dirty="0" err="1">
+                <a:solidFill>
+                  <a:srgbClr val="002060"/>
+                </a:solidFill>
                 <a:latin typeface="Montserrat" panose="02000505000000020004" pitchFamily="2" charset="0"/>
               </a:rPr>
-              <a:t>¿</a:t>
-            </a:r>
-            <a:r>
-              <a:rPr lang="en-GB" dirty="0" err="1">
-                <a:latin typeface="Montserrat" panose="02000505000000020004" pitchFamily="2" charset="0"/>
-              </a:rPr>
-              <a:t>Dónde</a:t>
-            </a:r>
-            <a:r>
-              <a:rPr lang="en-GB" dirty="0">
-                <a:latin typeface="Montserrat" panose="02000505000000020004" pitchFamily="2" charset="0"/>
-              </a:rPr>
-              <a:t> no vas a </a:t>
-            </a:r>
-            <a:r>
-              <a:rPr lang="en-GB" dirty="0" err="1">
-                <a:latin typeface="Montserrat" panose="02000505000000020004" pitchFamily="2" charset="0"/>
-              </a:rPr>
-              <a:t>poder</a:t>
-            </a:r>
-            <a:r>
-              <a:rPr lang="en-GB" dirty="0">
-                <a:latin typeface="Montserrat" panose="02000505000000020004" pitchFamily="2" charset="0"/>
-              </a:rPr>
-              <a:t> </a:t>
-            </a:r>
-            <a:r>
-              <a:rPr lang="es-ES" dirty="0">
-                <a:latin typeface="Montserrat" panose="02000505000000020004" pitchFamily="2" charset="0"/>
-              </a:rPr>
-              <a:t>vivir</a:t>
-            </a:r>
-            <a:r>
-              <a:rPr lang="en-GB" dirty="0">
-                <a:latin typeface="Montserrat" panose="02000505000000020004" pitchFamily="2" charset="0"/>
-              </a:rPr>
-              <a:t> </a:t>
-            </a:r>
-            <a:r>
-              <a:rPr lang="en-GB" dirty="0" err="1">
-                <a:latin typeface="Montserrat" panose="02000505000000020004" pitchFamily="2" charset="0"/>
-              </a:rPr>
-              <a:t>en</a:t>
-            </a:r>
-            <a:r>
-              <a:rPr lang="en-GB" dirty="0">
-                <a:latin typeface="Montserrat" panose="02000505000000020004" pitchFamily="2" charset="0"/>
-              </a:rPr>
-              <a:t> 2100?</a:t>
-            </a:r>
+              <a:t>Ironundation</a:t>
+            </a:r>
+            <a:endParaRPr lang="en-GB" dirty="0">
+              <a:solidFill>
+                <a:srgbClr val="002060"/>
+              </a:solidFill>
+              <a:latin typeface="Montserrat" panose="02000505000000020004" pitchFamily="2" charset="0"/>
+            </a:endParaRPr>
           </a:p>
         </p:txBody>
       </p:sp>
@@ -3514,6 +3459,9 @@
             <a:pPr algn="r"/>
             <a:r>
               <a:rPr lang="en-GB" dirty="0">
+                <a:solidFill>
+                  <a:srgbClr val="002060"/>
+                </a:solidFill>
                 <a:latin typeface="Montserrat" panose="02000505000000020004" pitchFamily="2" charset="0"/>
               </a:rPr>
               <a:t>Irene Aguerri </a:t>
@@ -3523,12 +3471,18 @@
             <a:pPr algn="r"/>
             <a:r>
               <a:rPr lang="en-GB" dirty="0" err="1">
+                <a:solidFill>
+                  <a:srgbClr val="002060"/>
+                </a:solidFill>
                 <a:latin typeface="Montserrat" panose="02000505000000020004" pitchFamily="2" charset="0"/>
               </a:rPr>
               <a:t>Ironhack</a:t>
             </a:r>
             <a:r>
               <a:rPr lang="en-GB" dirty="0">
+                <a:solidFill>
+                  <a:srgbClr val="002060"/>
+                </a:solidFill>
                 <a:latin typeface="Montserrat" panose="02000505000000020004" pitchFamily="2" charset="0"/>
               </a:rPr>
               <a:t> Data Final Project</a:t>
@@ -3536,6 +3490,53 @@
           </a:p>
         </p:txBody>
       </p:sp>
+      <p:pic>
+        <p:nvPicPr>
+          <p:cNvPr id="3074" name="Picture 2" descr="Sea Level Rise and the Fate of Coastal Cities">
+            <a:extLst>
+              <a:ext uri="{FF2B5EF4-FFF2-40B4-BE49-F238E27FC236}">
+                <a16:creationId xmlns:a16="http://schemas.microsoft.com/office/drawing/2014/main" id="{E93E51E4-C8F3-42FB-B761-A71601ADA932}"/>
+              </a:ext>
+            </a:extLst>
+          </p:cNvPr>
+          <p:cNvPicPr>
+            <a:picLocks noChangeAspect="1" noChangeArrowheads="1"/>
+          </p:cNvPicPr>
+          <p:nvPr/>
+        </p:nvPicPr>
+        <p:blipFill>
+          <a:blip r:embed="rId2">
+            <a:extLst>
+              <a:ext uri="{28A0092B-C50C-407E-A947-70E740481C1C}">
+                <a14:useLocalDpi xmlns:a14="http://schemas.microsoft.com/office/drawing/2010/main" val="0"/>
+              </a:ext>
+            </a:extLst>
+          </a:blip>
+          <a:srcRect/>
+          <a:stretch>
+            <a:fillRect/>
+          </a:stretch>
+        </p:blipFill>
+        <p:spPr bwMode="auto">
+          <a:xfrm>
+            <a:off x="3216165" y="1894489"/>
+            <a:ext cx="3970283" cy="3970283"/>
+          </a:xfrm>
+          <a:prstGeom prst="rect">
+            <a:avLst/>
+          </a:prstGeom>
+          <a:noFill/>
+          <a:extLst>
+            <a:ext uri="{909E8E84-426E-40DD-AFC4-6F175D3DCCD1}">
+              <a14:hiddenFill xmlns:a14="http://schemas.microsoft.com/office/drawing/2010/main">
+                <a:solidFill>
+                  <a:srgbClr val="FFFFFF"/>
+                </a:solidFill>
+              </a14:hiddenFill>
+            </a:ext>
+          </a:extLst>
+        </p:spPr>
+      </p:pic>
     </p:spTree>
     <p:extLst>
       <p:ext uri="{BB962C8B-B14F-4D97-AF65-F5344CB8AC3E}">
@@ -3589,6 +3590,9 @@
           <a:p>
             <a:r>
               <a:rPr lang="es-ES" dirty="0">
+                <a:solidFill>
+                  <a:srgbClr val="002060"/>
+                </a:solidFill>
                 <a:latin typeface="Montserrat" panose="02000505000000020004" pitchFamily="2" charset="0"/>
               </a:rPr>
               <a:t>¿Queremos esto para nuestro futuro?</a:t>
@@ -3672,8 +3676,102 @@
         </p:blipFill>
         <p:spPr bwMode="auto">
           <a:xfrm>
-            <a:off x="3985799" y="2338595"/>
+            <a:off x="1122856" y="2229737"/>
             <a:ext cx="5672137" cy="3504194"/>
+          </a:xfrm>
+          <a:prstGeom prst="rect">
+            <a:avLst/>
+          </a:prstGeom>
+          <a:noFill/>
+          <a:extLst>
+            <a:ext uri="{909E8E84-426E-40DD-AFC4-6F175D3DCCD1}">
+              <a14:hiddenFill xmlns:a14="http://schemas.microsoft.com/office/drawing/2010/main">
+                <a:solidFill>
+                  <a:srgbClr val="FFFFFF"/>
+                </a:solidFill>
+              </a14:hiddenFill>
+            </a:ext>
+          </a:extLst>
+        </p:spPr>
+      </p:pic>
+      <p:pic>
+        <p:nvPicPr>
+          <p:cNvPr id="2050" name="Picture 2" descr="El aumento del nivel del mar | National Geographic">
+            <a:extLst>
+              <a:ext uri="{FF2B5EF4-FFF2-40B4-BE49-F238E27FC236}">
+                <a16:creationId xmlns:a16="http://schemas.microsoft.com/office/drawing/2014/main" id="{8284B18C-4793-4482-A983-11ED7006E4AF}"/>
+              </a:ext>
+            </a:extLst>
+          </p:cNvPr>
+          <p:cNvPicPr>
+            <a:picLocks noChangeAspect="1" noChangeArrowheads="1"/>
+          </p:cNvPicPr>
+          <p:nvPr/>
+        </p:nvPicPr>
+        <p:blipFill>
+          <a:blip r:embed="rId4">
+            <a:extLst>
+              <a:ext uri="{28A0092B-C50C-407E-A947-70E740481C1C}">
+                <a14:useLocalDpi xmlns:a14="http://schemas.microsoft.com/office/drawing/2010/main" val="0"/>
+              </a:ext>
+            </a:extLst>
+          </a:blip>
+          <a:srcRect/>
+          <a:stretch>
+            <a:fillRect/>
+          </a:stretch>
+        </p:blipFill>
+        <p:spPr bwMode="auto">
+          <a:xfrm>
+            <a:off x="2262336" y="2153005"/>
+            <a:ext cx="4707835" cy="3530876"/>
+          </a:xfrm>
+          <a:prstGeom prst="rect">
+            <a:avLst/>
+          </a:prstGeom>
+          <a:noFill/>
+          <a:extLst>
+            <a:ext uri="{909E8E84-426E-40DD-AFC4-6F175D3DCCD1}">
+              <a14:hiddenFill xmlns:a14="http://schemas.microsoft.com/office/drawing/2010/main">
+                <a:solidFill>
+                  <a:srgbClr val="FFFFFF"/>
+                </a:solidFill>
+              </a14:hiddenFill>
+            </a:ext>
+          </a:extLst>
+        </p:spPr>
+      </p:pic>
+      <p:pic>
+        <p:nvPicPr>
+          <p:cNvPr id="2052" name="Picture 4" descr="Imagen">
+            <a:extLst>
+              <a:ext uri="{FF2B5EF4-FFF2-40B4-BE49-F238E27FC236}">
+                <a16:creationId xmlns:a16="http://schemas.microsoft.com/office/drawing/2014/main" id="{D05D0715-7D29-4B5E-9F24-88D3157DF9A0}"/>
+              </a:ext>
+            </a:extLst>
+          </p:cNvPr>
+          <p:cNvPicPr>
+            <a:picLocks noChangeAspect="1" noChangeArrowheads="1"/>
+          </p:cNvPicPr>
+          <p:nvPr/>
+        </p:nvPicPr>
+        <p:blipFill>
+          <a:blip r:embed="rId5">
+            <a:extLst>
+              <a:ext uri="{28A0092B-C50C-407E-A947-70E740481C1C}">
+                <a14:useLocalDpi xmlns:a14="http://schemas.microsoft.com/office/drawing/2010/main" val="0"/>
+              </a:ext>
+            </a:extLst>
+          </a:blip>
+          <a:srcRect/>
+          <a:stretch>
+            <a:fillRect/>
+          </a:stretch>
+        </p:blipFill>
+        <p:spPr bwMode="auto">
+          <a:xfrm>
+            <a:off x="3176095" y="1996638"/>
+            <a:ext cx="6672098" cy="3751201"/>
           </a:xfrm>
           <a:prstGeom prst="rect">
             <a:avLst/>
@@ -3768,7 +3866,7 @@
                               <p:par>
                                 <p:cTn id="9" presetID="1" presetClass="entr" presetSubtype="0" fill="hold" nodeType="clickEffect">
                                   <p:stCondLst>
-                                    <p:cond delay="0"/>
+                                    <p:cond delay="800"/>
                                   </p:stCondLst>
                                   <p:childTnLst>
                                     <p:set>
@@ -3780,6 +3878,96 @@
                                         </p:cTn>
                                         <p:tgtEl>
                                           <p:spTgt spid="1028"/>
+                                        </p:tgtEl>
+                                        <p:attrNameLst>
+                                          <p:attrName>style.visibility</p:attrName>
+                                        </p:attrNameLst>
+                                      </p:cBhvr>
+                                      <p:to>
+                                        <p:strVal val="visible"/>
+                                      </p:to>
+                                    </p:set>
+                                  </p:childTnLst>
+                                </p:cTn>
+                              </p:par>
+                            </p:childTnLst>
+                          </p:cTn>
+                        </p:par>
+                      </p:childTnLst>
+                    </p:cTn>
+                  </p:par>
+                  <p:par>
+                    <p:cTn id="11" fill="hold">
+                      <p:stCondLst>
+                        <p:cond delay="indefinite"/>
+                      </p:stCondLst>
+                      <p:childTnLst>
+                        <p:par>
+                          <p:cTn id="12" fill="hold">
+                            <p:stCondLst>
+                              <p:cond delay="0"/>
+                            </p:stCondLst>
+                            <p:childTnLst>
+                              <p:par>
+                                <p:cTn id="13" presetID="1" presetClass="entr" presetSubtype="0" fill="hold" nodeType="clickEffect">
+                                  <p:stCondLst>
+                                    <p:cond delay="1900"/>
+                                  </p:stCondLst>
+                                  <p:childTnLst>
+                                    <p:set>
+                                      <p:cBhvr>
+                                        <p:cTn id="14" dur="1" fill="hold">
+                                          <p:stCondLst>
+                                            <p:cond delay="0"/>
+                                          </p:stCondLst>
+                                        </p:cTn>
+                                        <p:tgtEl>
+                                          <p:spTgt spid="2050"/>
+                                        </p:tgtEl>
+                                        <p:attrNameLst>
+                                          <p:attrName>style.visibility</p:attrName>
+                                        </p:attrNameLst>
+                                      </p:cBhvr>
+                                      <p:to>
+                                        <p:strVal val="visible"/>
+                                      </p:to>
+                                    </p:set>
+                                  </p:childTnLst>
+                                </p:cTn>
+                              </p:par>
+                            </p:childTnLst>
+                          </p:cTn>
+                        </p:par>
+                      </p:childTnLst>
+                    </p:cTn>
+                  </p:par>
+                  <p:par>
+                    <p:cTn id="15" fill="hold">
+                      <p:stCondLst>
+                        <p:cond delay="indefinite"/>
+                      </p:stCondLst>
+                      <p:childTnLst>
+                        <p:par>
+                          <p:cTn id="16" fill="hold">
+                            <p:stCondLst>
+                              <p:cond delay="0"/>
+                            </p:stCondLst>
+                            <p:childTnLst>
+                              <p:par>
+                                <p:cTn id="17" presetID="1" presetClass="entr" presetSubtype="0" fill="hold" nodeType="clickEffect">
+                                  <p:stCondLst>
+                                    <p:cond delay="2800"/>
+                                  </p:stCondLst>
+                                  <p:childTnLst>
+                                    <p:set>
+                                      <p:cBhvr>
+                                        <p:cTn id="18" dur="1" fill="hold">
+                                          <p:stCondLst>
+                                            <p:cond delay="0"/>
+                                          </p:stCondLst>
+                                        </p:cTn>
+                                        <p:tgtEl>
+                                          <p:spTgt spid="2052"/>
                                         </p:tgtEl>
                                         <p:attrNameLst>
                                           <p:attrName>style.visibility</p:attrName>
@@ -3842,53 +4030,894 @@
       </p:grpSpPr>
       <p:sp>
         <p:nvSpPr>
-          <p:cNvPr id="2" name="Título 1">
+          <p:cNvPr id="4" name="Título 1">
             <a:extLst>
               <a:ext uri="{FF2B5EF4-FFF2-40B4-BE49-F238E27FC236}">
-                <a16:creationId xmlns:a16="http://schemas.microsoft.com/office/drawing/2014/main" id="{8D23CBC8-1111-4C37-9964-90B67CFE0E84}"/>
+                <a16:creationId xmlns:a16="http://schemas.microsoft.com/office/drawing/2014/main" id="{646D9028-5600-45DD-86A9-A67ECFA3CADB}"/>
               </a:ext>
             </a:extLst>
           </p:cNvPr>
-          <p:cNvSpPr>
-            <a:spLocks noGrp="1"/>
-          </p:cNvSpPr>
-          <p:nvPr>
-            <p:ph type="title"/>
-          </p:nvPr>
-        </p:nvSpPr>
-        <p:spPr/>
-        <p:txBody>
-          <a:bodyPr/>
-          <a:lstStyle/>
-          <a:p>
-            <a:r>
-              <a:rPr lang="en-GB" dirty="0"/>
-              <a:t>Analysis developed</a:t>
-            </a:r>
-          </a:p>
-        </p:txBody>
-      </p:sp>
-      <p:sp>
-        <p:nvSpPr>
-          <p:cNvPr id="6" name="Marcador de contenido 5">
+          <p:cNvSpPr txBox="1">
+            <a:spLocks/>
+          </p:cNvSpPr>
+          <p:nvPr/>
+        </p:nvSpPr>
+        <p:spPr>
+          <a:xfrm>
+            <a:off x="630720" y="453150"/>
+            <a:ext cx="10772775" cy="1658198"/>
+          </a:xfrm>
+          <a:prstGeom prst="rect">
+            <a:avLst/>
+          </a:prstGeom>
+        </p:spPr>
+        <p:txBody>
+          <a:bodyPr vert="horz" lIns="91440" tIns="45720" rIns="91440" bIns="45720" rtlCol="0" anchor="ctr">
+            <a:normAutofit/>
+          </a:bodyPr>
+          <a:lstStyle>
+            <a:lvl1pPr algn="l" defTabSz="914400" rtl="0" eaLnBrk="1" latinLnBrk="0" hangingPunct="1">
+              <a:lnSpc>
+                <a:spcPct val="85000"/>
+              </a:lnSpc>
+              <a:spcBef>
+                <a:spcPct val="0"/>
+              </a:spcBef>
+              <a:buNone/>
+              <a:defRPr sz="5400" kern="1200" spc="-120" baseline="0">
+                <a:solidFill>
+                  <a:schemeClr val="accent1"/>
+                </a:solidFill>
+                <a:latin typeface="+mj-lt"/>
+                <a:ea typeface="+mj-ea"/>
+                <a:cs typeface="+mj-cs"/>
+              </a:defRPr>
+            </a:lvl1pPr>
+          </a:lstStyle>
+          <a:p>
+            <a:r>
+              <a:rPr lang="es-ES" dirty="0">
+                <a:solidFill>
+                  <a:srgbClr val="002060"/>
+                </a:solidFill>
+                <a:latin typeface="Montserrat" panose="02000505000000020004" pitchFamily="2" charset="0"/>
+              </a:rPr>
+              <a:t>¿Cómo?</a:t>
+            </a:r>
+          </a:p>
+        </p:txBody>
+      </p:sp>
+      <p:pic>
+        <p:nvPicPr>
+          <p:cNvPr id="1034" name="Picture 10" descr="Leaflet o OpenLayers? - UNIGIS">
             <a:extLst>
               <a:ext uri="{FF2B5EF4-FFF2-40B4-BE49-F238E27FC236}">
-                <a16:creationId xmlns:a16="http://schemas.microsoft.com/office/drawing/2014/main" id="{BE9B8E3D-775C-4D35-A205-22BED60FE1FA}"/>
+                <a16:creationId xmlns:a16="http://schemas.microsoft.com/office/drawing/2014/main" id="{DA6AB106-6FD3-45F7-AFBE-9F6A7CB43D2B}"/>
               </a:ext>
             </a:extLst>
           </p:cNvPr>
-          <p:cNvSpPr>
-            <a:spLocks noGrp="1"/>
-          </p:cNvSpPr>
-          <p:nvPr>
-            <p:ph idx="1"/>
-          </p:nvPr>
-        </p:nvSpPr>
-        <p:spPr/>
-        <p:txBody>
-          <a:bodyPr/>
+          <p:cNvPicPr>
+            <a:picLocks noChangeAspect="1" noChangeArrowheads="1"/>
+          </p:cNvPicPr>
+          <p:nvPr/>
+        </p:nvPicPr>
+        <p:blipFill>
+          <a:blip r:embed="rId2">
+            <a:extLst>
+              <a:ext uri="{28A0092B-C50C-407E-A947-70E740481C1C}">
+                <a14:useLocalDpi xmlns:a14="http://schemas.microsoft.com/office/drawing/2010/main" val="0"/>
+              </a:ext>
+            </a:extLst>
+          </a:blip>
+          <a:srcRect/>
+          <a:stretch>
+            <a:fillRect/>
+          </a:stretch>
+        </p:blipFill>
+        <p:spPr bwMode="auto">
+          <a:xfrm>
+            <a:off x="8863218" y="4526446"/>
+            <a:ext cx="1453599" cy="1453599"/>
+          </a:xfrm>
+          <a:prstGeom prst="rect">
+            <a:avLst/>
+          </a:prstGeom>
+          <a:noFill/>
+          <a:extLst>
+            <a:ext uri="{909E8E84-426E-40DD-AFC4-6F175D3DCCD1}">
+              <a14:hiddenFill xmlns:a14="http://schemas.microsoft.com/office/drawing/2010/main">
+                <a:solidFill>
+                  <a:srgbClr val="FFFFFF"/>
+                </a:solidFill>
+              </a14:hiddenFill>
+            </a:ext>
+          </a:extLst>
+        </p:spPr>
+      </p:pic>
+      <p:pic>
+        <p:nvPicPr>
+          <p:cNvPr id="1036" name="Picture 12" descr="Curso de Geoserver – Alter Geosistemas">
+            <a:extLst>
+              <a:ext uri="{FF2B5EF4-FFF2-40B4-BE49-F238E27FC236}">
+                <a16:creationId xmlns:a16="http://schemas.microsoft.com/office/drawing/2014/main" id="{182C288B-AAF6-4ED8-91A6-9D6EF492552D}"/>
+              </a:ext>
+            </a:extLst>
+          </p:cNvPr>
+          <p:cNvPicPr>
+            <a:picLocks noChangeAspect="1" noChangeArrowheads="1"/>
+          </p:cNvPicPr>
+          <p:nvPr/>
+        </p:nvPicPr>
+        <p:blipFill>
+          <a:blip r:embed="rId3">
+            <a:extLst>
+              <a:ext uri="{28A0092B-C50C-407E-A947-70E740481C1C}">
+                <a14:useLocalDpi xmlns:a14="http://schemas.microsoft.com/office/drawing/2010/main" val="0"/>
+              </a:ext>
+            </a:extLst>
+          </a:blip>
+          <a:srcRect/>
+          <a:stretch>
+            <a:fillRect/>
+          </a:stretch>
+        </p:blipFill>
+        <p:spPr bwMode="auto">
+          <a:xfrm>
+            <a:off x="10711071" y="1742664"/>
+            <a:ext cx="791816" cy="791816"/>
+          </a:xfrm>
+          <a:prstGeom prst="rect">
+            <a:avLst/>
+          </a:prstGeom>
+          <a:noFill/>
+          <a:extLst>
+            <a:ext uri="{909E8E84-426E-40DD-AFC4-6F175D3DCCD1}">
+              <a14:hiddenFill xmlns:a14="http://schemas.microsoft.com/office/drawing/2010/main">
+                <a:solidFill>
+                  <a:srgbClr val="FFFFFF"/>
+                </a:solidFill>
+              </a14:hiddenFill>
+            </a:ext>
+          </a:extLst>
+        </p:spPr>
+      </p:pic>
+      <p:sp>
+        <p:nvSpPr>
+          <p:cNvPr id="25" name="Rectángulo: esquinas redondeadas 24">
+            <a:extLst>
+              <a:ext uri="{FF2B5EF4-FFF2-40B4-BE49-F238E27FC236}">
+                <a16:creationId xmlns:a16="http://schemas.microsoft.com/office/drawing/2014/main" id="{2B819DB3-C31D-4F7C-9146-0B3153BF5745}"/>
+              </a:ext>
+            </a:extLst>
+          </p:cNvPr>
+          <p:cNvSpPr/>
+          <p:nvPr/>
+        </p:nvSpPr>
+        <p:spPr>
+          <a:xfrm>
+            <a:off x="7653130" y="824948"/>
+            <a:ext cx="4333461" cy="2335695"/>
+          </a:xfrm>
+          <a:prstGeom prst="roundRect">
+            <a:avLst/>
+          </a:prstGeom>
+          <a:noFill/>
+          <a:ln w="38100"/>
+        </p:spPr>
+        <p:style>
+          <a:lnRef idx="2">
+            <a:schemeClr val="accent1">
+              <a:shade val="50000"/>
+            </a:schemeClr>
+          </a:lnRef>
+          <a:fillRef idx="1">
+            <a:schemeClr val="accent1"/>
+          </a:fillRef>
+          <a:effectRef idx="0">
+            <a:schemeClr val="accent1"/>
+          </a:effectRef>
+          <a:fontRef idx="minor">
+            <a:schemeClr val="lt1"/>
+          </a:fontRef>
+        </p:style>
+        <p:txBody>
+          <a:bodyPr rtlCol="0" anchor="ctr"/>
           <a:lstStyle/>
           <a:p>
+            <a:pPr algn="ctr"/>
+            <a:endParaRPr lang="en-GB"/>
+          </a:p>
+        </p:txBody>
+      </p:sp>
+      <p:sp>
+        <p:nvSpPr>
+          <p:cNvPr id="40" name="Rectángulo: esquinas redondeadas 39">
+            <a:extLst>
+              <a:ext uri="{FF2B5EF4-FFF2-40B4-BE49-F238E27FC236}">
+                <a16:creationId xmlns:a16="http://schemas.microsoft.com/office/drawing/2014/main" id="{317968AE-C801-4C9D-87EA-F3EADF7E85BD}"/>
+              </a:ext>
+            </a:extLst>
+          </p:cNvPr>
+          <p:cNvSpPr/>
+          <p:nvPr/>
+        </p:nvSpPr>
+        <p:spPr>
+          <a:xfrm>
+            <a:off x="221976" y="1802296"/>
+            <a:ext cx="5025886" cy="3574774"/>
+          </a:xfrm>
+          <a:prstGeom prst="roundRect">
+            <a:avLst/>
+          </a:prstGeom>
+          <a:noFill/>
+          <a:ln w="38100"/>
+        </p:spPr>
+        <p:style>
+          <a:lnRef idx="2">
+            <a:schemeClr val="accent1">
+              <a:shade val="50000"/>
+            </a:schemeClr>
+          </a:lnRef>
+          <a:fillRef idx="1">
+            <a:schemeClr val="accent1"/>
+          </a:fillRef>
+          <a:effectRef idx="0">
+            <a:schemeClr val="accent1"/>
+          </a:effectRef>
+          <a:fontRef idx="minor">
+            <a:schemeClr val="lt1"/>
+          </a:fontRef>
+        </p:style>
+        <p:txBody>
+          <a:bodyPr rtlCol="0" anchor="ctr"/>
+          <a:lstStyle/>
+          <a:p>
+            <a:pPr algn="ctr"/>
+            <a:endParaRPr lang="en-GB"/>
+          </a:p>
+        </p:txBody>
+      </p:sp>
+      <p:pic>
+        <p:nvPicPr>
+          <p:cNvPr id="1030" name="Picture 6" descr="Contenedores de Docker | ¿Qué es Docker? | AWS">
+            <a:extLst>
+              <a:ext uri="{FF2B5EF4-FFF2-40B4-BE49-F238E27FC236}">
+                <a16:creationId xmlns:a16="http://schemas.microsoft.com/office/drawing/2014/main" id="{5D48FDE5-ABD1-4AEA-9E75-CA3D3B6EACB7}"/>
+              </a:ext>
+            </a:extLst>
+          </p:cNvPr>
+          <p:cNvPicPr>
+            <a:picLocks noChangeAspect="1" noChangeArrowheads="1"/>
+          </p:cNvPicPr>
+          <p:nvPr/>
+        </p:nvPicPr>
+        <p:blipFill rotWithShape="1">
+          <a:blip r:embed="rId4">
+            <a:extLst>
+              <a:ext uri="{28A0092B-C50C-407E-A947-70E740481C1C}">
+                <a14:useLocalDpi xmlns:a14="http://schemas.microsoft.com/office/drawing/2010/main" val="0"/>
+              </a:ext>
+            </a:extLst>
+          </a:blip>
+          <a:srcRect l="22199" r="22074"/>
+          <a:stretch/>
+        </p:blipFill>
+        <p:spPr bwMode="auto">
+          <a:xfrm>
+            <a:off x="9362661" y="777531"/>
+            <a:ext cx="904461" cy="762064"/>
+          </a:xfrm>
+          <a:prstGeom prst="rect">
+            <a:avLst/>
+          </a:prstGeom>
+          <a:noFill/>
+          <a:extLst>
+            <a:ext uri="{909E8E84-426E-40DD-AFC4-6F175D3DCCD1}">
+              <a14:hiddenFill xmlns:a14="http://schemas.microsoft.com/office/drawing/2010/main">
+                <a:solidFill>
+                  <a:srgbClr val="FFFFFF"/>
+                </a:solidFill>
+              </a14:hiddenFill>
+            </a:ext>
+          </a:extLst>
+        </p:spPr>
+      </p:pic>
+      <p:grpSp>
+        <p:nvGrpSpPr>
+          <p:cNvPr id="33" name="Grupo 32">
+            <a:extLst>
+              <a:ext uri="{FF2B5EF4-FFF2-40B4-BE49-F238E27FC236}">
+                <a16:creationId xmlns:a16="http://schemas.microsoft.com/office/drawing/2014/main" id="{6A1882E1-8072-467C-A1DF-E48CCE4F7F7B}"/>
+              </a:ext>
+            </a:extLst>
+          </p:cNvPr>
+          <p:cNvGrpSpPr/>
+          <p:nvPr/>
+        </p:nvGrpSpPr>
+        <p:grpSpPr>
+          <a:xfrm>
+            <a:off x="8001002" y="1659836"/>
+            <a:ext cx="2464904" cy="1152938"/>
+            <a:chOff x="8299174" y="5227983"/>
+            <a:chExt cx="2713383" cy="1272208"/>
+          </a:xfrm>
+        </p:grpSpPr>
+        <p:pic>
+          <p:nvPicPr>
+            <p:cNvPr id="1038" name="Picture 14" descr="PostgreSQL - Wikipedia, la enciclopedia libre">
+              <a:extLst>
+                <a:ext uri="{FF2B5EF4-FFF2-40B4-BE49-F238E27FC236}">
+                  <a16:creationId xmlns:a16="http://schemas.microsoft.com/office/drawing/2014/main" id="{ACBCABA8-4FF5-4512-B2DE-7E5B79ABE95A}"/>
+                </a:ext>
+              </a:extLst>
+            </p:cNvPr>
+            <p:cNvPicPr>
+              <a:picLocks noChangeAspect="1" noChangeArrowheads="1"/>
+            </p:cNvPicPr>
+            <p:nvPr/>
+          </p:nvPicPr>
+          <p:blipFill>
+            <a:blip r:embed="rId5">
+              <a:extLst>
+                <a:ext uri="{28A0092B-C50C-407E-A947-70E740481C1C}">
+                  <a14:useLocalDpi xmlns:a14="http://schemas.microsoft.com/office/drawing/2010/main" val="0"/>
+                </a:ext>
+              </a:extLst>
+            </a:blip>
+            <a:srcRect/>
+            <a:stretch>
+              <a:fillRect/>
+            </a:stretch>
+          </p:blipFill>
+          <p:spPr bwMode="auto">
+            <a:xfrm>
+              <a:off x="8484703" y="5434221"/>
+              <a:ext cx="783081" cy="807552"/>
+            </a:xfrm>
+            <a:prstGeom prst="rect">
+              <a:avLst/>
+            </a:prstGeom>
+            <a:noFill/>
+            <a:extLst>
+              <a:ext uri="{909E8E84-426E-40DD-AFC4-6F175D3DCCD1}">
+                <a14:hiddenFill xmlns:a14="http://schemas.microsoft.com/office/drawing/2010/main">
+                  <a:solidFill>
+                    <a:srgbClr val="FFFFFF"/>
+                  </a:solidFill>
+                </a14:hiddenFill>
+              </a:ext>
+            </a:extLst>
+          </p:spPr>
+        </p:pic>
+        <p:pic>
+          <p:nvPicPr>
+            <p:cNvPr id="1040" name="Picture 16" descr="PostGIS - Wikipedia, la enciclopedia libre">
+              <a:extLst>
+                <a:ext uri="{FF2B5EF4-FFF2-40B4-BE49-F238E27FC236}">
+                  <a16:creationId xmlns:a16="http://schemas.microsoft.com/office/drawing/2014/main" id="{0E9A85F0-1A0C-40B4-8606-A4F6023BF3BB}"/>
+                </a:ext>
+              </a:extLst>
+            </p:cNvPr>
+            <p:cNvPicPr>
+              <a:picLocks noChangeAspect="1" noChangeArrowheads="1"/>
+            </p:cNvPicPr>
+            <p:nvPr/>
+          </p:nvPicPr>
+          <p:blipFill>
+            <a:blip r:embed="rId6">
+              <a:extLst>
+                <a:ext uri="{28A0092B-C50C-407E-A947-70E740481C1C}">
+                  <a14:useLocalDpi xmlns:a14="http://schemas.microsoft.com/office/drawing/2010/main" val="0"/>
+                </a:ext>
+              </a:extLst>
+            </a:blip>
+            <a:srcRect/>
+            <a:stretch>
+              <a:fillRect/>
+            </a:stretch>
+          </p:blipFill>
+          <p:spPr bwMode="auto">
+            <a:xfrm>
+              <a:off x="9606997" y="5309979"/>
+              <a:ext cx="1061002" cy="1061002"/>
+            </a:xfrm>
+            <a:prstGeom prst="rect">
+              <a:avLst/>
+            </a:prstGeom>
+            <a:noFill/>
+            <a:extLst>
+              <a:ext uri="{909E8E84-426E-40DD-AFC4-6F175D3DCCD1}">
+                <a14:hiddenFill xmlns:a14="http://schemas.microsoft.com/office/drawing/2010/main">
+                  <a:solidFill>
+                    <a:srgbClr val="FFFFFF"/>
+                  </a:solidFill>
+                </a14:hiddenFill>
+              </a:ext>
+            </a:extLst>
+          </p:spPr>
+        </p:pic>
+        <p:sp>
+          <p:nvSpPr>
+            <p:cNvPr id="28" name="Rectángulo 27">
+              <a:extLst>
+                <a:ext uri="{FF2B5EF4-FFF2-40B4-BE49-F238E27FC236}">
+                  <a16:creationId xmlns:a16="http://schemas.microsoft.com/office/drawing/2014/main" id="{0DE5B523-9891-411E-9F1B-F6AFF80BA507}"/>
+                </a:ext>
+              </a:extLst>
+            </p:cNvPr>
+            <p:cNvSpPr/>
+            <p:nvPr/>
+          </p:nvSpPr>
+          <p:spPr>
+            <a:xfrm>
+              <a:off x="8299174" y="5227983"/>
+              <a:ext cx="2713383" cy="1272208"/>
+            </a:xfrm>
+            <a:prstGeom prst="rect">
+              <a:avLst/>
+            </a:prstGeom>
+            <a:noFill/>
+            <a:ln w="6350">
+              <a:solidFill>
+                <a:schemeClr val="accent1">
+                  <a:lumMod val="50000"/>
+                </a:schemeClr>
+              </a:solidFill>
+            </a:ln>
+          </p:spPr>
+          <p:style>
+            <a:lnRef idx="2">
+              <a:schemeClr val="accent1">
+                <a:shade val="50000"/>
+              </a:schemeClr>
+            </a:lnRef>
+            <a:fillRef idx="1">
+              <a:schemeClr val="accent1"/>
+            </a:fillRef>
+            <a:effectRef idx="0">
+              <a:schemeClr val="accent1"/>
+            </a:effectRef>
+            <a:fontRef idx="minor">
+              <a:schemeClr val="lt1"/>
+            </a:fontRef>
+          </p:style>
+          <p:txBody>
+            <a:bodyPr rtlCol="0" anchor="ctr"/>
+            <a:lstStyle/>
+            <a:p>
+              <a:pPr algn="ctr"/>
+              <a:endParaRPr lang="en-GB"/>
+            </a:p>
+          </p:txBody>
+        </p:sp>
+      </p:grpSp>
+      <p:grpSp>
+        <p:nvGrpSpPr>
+          <p:cNvPr id="29" name="Grupo 28">
+            <a:extLst>
+              <a:ext uri="{FF2B5EF4-FFF2-40B4-BE49-F238E27FC236}">
+                <a16:creationId xmlns:a16="http://schemas.microsoft.com/office/drawing/2014/main" id="{176D4EE5-0BC7-43A3-AF2A-736960431822}"/>
+              </a:ext>
+            </a:extLst>
+          </p:cNvPr>
+          <p:cNvGrpSpPr/>
+          <p:nvPr/>
+        </p:nvGrpSpPr>
+        <p:grpSpPr>
+          <a:xfrm>
+            <a:off x="566529" y="2849627"/>
+            <a:ext cx="3756992" cy="1128429"/>
+            <a:chOff x="437320" y="4360375"/>
+            <a:chExt cx="3756992" cy="1128429"/>
+          </a:xfrm>
+        </p:grpSpPr>
+        <p:pic>
+          <p:nvPicPr>
+            <p:cNvPr id="1026" name="Picture 2">
+              <a:extLst>
+                <a:ext uri="{FF2B5EF4-FFF2-40B4-BE49-F238E27FC236}">
+                  <a16:creationId xmlns:a16="http://schemas.microsoft.com/office/drawing/2014/main" id="{25E782D4-6634-4941-AD6C-30974D867F46}"/>
+                </a:ext>
+              </a:extLst>
+            </p:cNvPr>
+            <p:cNvPicPr>
+              <a:picLocks noChangeAspect="1" noChangeArrowheads="1"/>
+            </p:cNvPicPr>
+            <p:nvPr/>
+          </p:nvPicPr>
+          <p:blipFill>
+            <a:blip r:embed="rId7">
+              <a:extLst>
+                <a:ext uri="{28A0092B-C50C-407E-A947-70E740481C1C}">
+                  <a14:useLocalDpi xmlns:a14="http://schemas.microsoft.com/office/drawing/2010/main" val="0"/>
+                </a:ext>
+              </a:extLst>
+            </a:blip>
+            <a:srcRect/>
+            <a:stretch>
+              <a:fillRect/>
+            </a:stretch>
+          </p:blipFill>
+          <p:spPr bwMode="auto">
+            <a:xfrm>
+              <a:off x="437320" y="4406142"/>
+              <a:ext cx="1009650" cy="1082662"/>
+            </a:xfrm>
+            <a:prstGeom prst="rect">
+              <a:avLst/>
+            </a:prstGeom>
+            <a:noFill/>
+            <a:extLst>
+              <a:ext uri="{909E8E84-426E-40DD-AFC4-6F175D3DCCD1}">
+                <a14:hiddenFill xmlns:a14="http://schemas.microsoft.com/office/drawing/2010/main">
+                  <a:solidFill>
+                    <a:srgbClr val="FFFFFF"/>
+                  </a:solidFill>
+                </a14:hiddenFill>
+              </a:ext>
+            </a:extLst>
+          </p:spPr>
+        </p:pic>
+        <p:pic>
+          <p:nvPicPr>
+            <p:cNvPr id="1028" name="Picture 4" descr="netcdf · GitHub Topics · GitHub">
+              <a:extLst>
+                <a:ext uri="{FF2B5EF4-FFF2-40B4-BE49-F238E27FC236}">
+                  <a16:creationId xmlns:a16="http://schemas.microsoft.com/office/drawing/2014/main" id="{402039B0-D734-4CBE-8A4D-6FDB00DC14BC}"/>
+                </a:ext>
+              </a:extLst>
+            </p:cNvPr>
+            <p:cNvPicPr>
+              <a:picLocks noChangeAspect="1" noChangeArrowheads="1"/>
+            </p:cNvPicPr>
+            <p:nvPr/>
+          </p:nvPicPr>
+          <p:blipFill>
+            <a:blip r:embed="rId8">
+              <a:extLst>
+                <a:ext uri="{28A0092B-C50C-407E-A947-70E740481C1C}">
+                  <a14:useLocalDpi xmlns:a14="http://schemas.microsoft.com/office/drawing/2010/main" val="0"/>
+                </a:ext>
+              </a:extLst>
+            </a:blip>
+            <a:srcRect/>
+            <a:stretch>
+              <a:fillRect/>
+            </a:stretch>
+          </p:blipFill>
+          <p:spPr bwMode="auto">
+            <a:xfrm>
+              <a:off x="1976023" y="4360375"/>
+              <a:ext cx="2218289" cy="1110645"/>
+            </a:xfrm>
+            <a:prstGeom prst="rect">
+              <a:avLst/>
+            </a:prstGeom>
+            <a:noFill/>
+            <a:extLst>
+              <a:ext uri="{909E8E84-426E-40DD-AFC4-6F175D3DCCD1}">
+                <a14:hiddenFill xmlns:a14="http://schemas.microsoft.com/office/drawing/2010/main">
+                  <a:solidFill>
+                    <a:srgbClr val="FFFFFF"/>
+                  </a:solidFill>
+                </a14:hiddenFill>
+              </a:ext>
+            </a:extLst>
+          </p:spPr>
+        </p:pic>
+        <p:cxnSp>
+          <p:nvCxnSpPr>
+            <p:cNvPr id="31" name="Conector recto de flecha 30">
+              <a:extLst>
+                <a:ext uri="{FF2B5EF4-FFF2-40B4-BE49-F238E27FC236}">
+                  <a16:creationId xmlns:a16="http://schemas.microsoft.com/office/drawing/2014/main" id="{8D96B3C3-8A7F-46FB-9ADC-B4CBF91FB189}"/>
+                </a:ext>
+              </a:extLst>
+            </p:cNvPr>
+            <p:cNvCxnSpPr>
+              <a:cxnSpLocks/>
+            </p:cNvCxnSpPr>
+            <p:nvPr/>
+          </p:nvCxnSpPr>
+          <p:spPr>
+            <a:xfrm>
+              <a:off x="1420465" y="5030300"/>
+              <a:ext cx="497786" cy="0"/>
+            </a:xfrm>
+            <a:prstGeom prst="straightConnector1">
+              <a:avLst/>
+            </a:prstGeom>
+            <a:ln w="28575">
+              <a:tailEnd type="triangle"/>
+            </a:ln>
+          </p:spPr>
+          <p:style>
+            <a:lnRef idx="1">
+              <a:schemeClr val="dk1"/>
+            </a:lnRef>
+            <a:fillRef idx="0">
+              <a:schemeClr val="dk1"/>
+            </a:fillRef>
+            <a:effectRef idx="0">
+              <a:schemeClr val="dk1"/>
+            </a:effectRef>
+            <a:fontRef idx="minor">
+              <a:schemeClr val="tx1"/>
+            </a:fontRef>
+          </p:style>
+        </p:cxnSp>
+      </p:grpSp>
+      <p:pic>
+        <p:nvPicPr>
+          <p:cNvPr id="1042" name="Picture 18" descr="Proyecto Jupyter - Wikipedia, la enciclopedia libre">
+            <a:extLst>
+              <a:ext uri="{FF2B5EF4-FFF2-40B4-BE49-F238E27FC236}">
+                <a16:creationId xmlns:a16="http://schemas.microsoft.com/office/drawing/2014/main" id="{EB80CEB3-49FE-4C38-954B-9E03166A3295}"/>
+              </a:ext>
+            </a:extLst>
+          </p:cNvPr>
+          <p:cNvPicPr>
+            <a:picLocks noChangeAspect="1" noChangeArrowheads="1"/>
+          </p:cNvPicPr>
+          <p:nvPr/>
+        </p:nvPicPr>
+        <p:blipFill>
+          <a:blip r:embed="rId9">
+            <a:extLst>
+              <a:ext uri="{28A0092B-C50C-407E-A947-70E740481C1C}">
+                <a14:useLocalDpi xmlns:a14="http://schemas.microsoft.com/office/drawing/2010/main" val="0"/>
+              </a:ext>
+            </a:extLst>
+          </a:blip>
+          <a:srcRect/>
+          <a:stretch>
+            <a:fillRect/>
+          </a:stretch>
+        </p:blipFill>
+        <p:spPr bwMode="auto">
+          <a:xfrm>
+            <a:off x="2331831" y="1838737"/>
+            <a:ext cx="679725" cy="787875"/>
+          </a:xfrm>
+          <a:prstGeom prst="rect">
+            <a:avLst/>
+          </a:prstGeom>
+          <a:noFill/>
+          <a:extLst>
+            <a:ext uri="{909E8E84-426E-40DD-AFC4-6F175D3DCCD1}">
+              <a14:hiddenFill xmlns:a14="http://schemas.microsoft.com/office/drawing/2010/main">
+                <a:solidFill>
+                  <a:srgbClr val="FFFFFF"/>
+                </a:solidFill>
+              </a14:hiddenFill>
+            </a:ext>
+          </a:extLst>
+        </p:spPr>
+      </p:pic>
+      <p:pic>
+        <p:nvPicPr>
+          <p:cNvPr id="1044" name="Picture 20" descr="Instalar la librería de Python “GeoPandas” para trabajar con IDEs">
+            <a:extLst>
+              <a:ext uri="{FF2B5EF4-FFF2-40B4-BE49-F238E27FC236}">
+                <a16:creationId xmlns:a16="http://schemas.microsoft.com/office/drawing/2014/main" id="{0B9FC297-AD8D-4714-9F58-3F27018D6EB0}"/>
+              </a:ext>
+            </a:extLst>
+          </p:cNvPr>
+          <p:cNvPicPr>
+            <a:picLocks noChangeAspect="1" noChangeArrowheads="1"/>
+          </p:cNvPicPr>
+          <p:nvPr/>
+        </p:nvPicPr>
+        <p:blipFill>
+          <a:blip r:embed="rId10">
+            <a:extLst>
+              <a:ext uri="{28A0092B-C50C-407E-A947-70E740481C1C}">
+                <a14:useLocalDpi xmlns:a14="http://schemas.microsoft.com/office/drawing/2010/main" val="0"/>
+              </a:ext>
+            </a:extLst>
+          </a:blip>
+          <a:srcRect/>
+          <a:stretch>
+            <a:fillRect/>
+          </a:stretch>
+        </p:blipFill>
+        <p:spPr bwMode="auto">
+          <a:xfrm>
+            <a:off x="2118276" y="4422501"/>
+            <a:ext cx="2066098" cy="604271"/>
+          </a:xfrm>
+          <a:prstGeom prst="rect">
+            <a:avLst/>
+          </a:prstGeom>
+          <a:noFill/>
+          <a:extLst>
+            <a:ext uri="{909E8E84-426E-40DD-AFC4-6F175D3DCCD1}">
+              <a14:hiddenFill xmlns:a14="http://schemas.microsoft.com/office/drawing/2010/main">
+                <a:solidFill>
+                  <a:srgbClr val="FFFFFF"/>
+                </a:solidFill>
+              </a14:hiddenFill>
+            </a:ext>
+          </a:extLst>
+        </p:spPr>
+      </p:pic>
+      <p:cxnSp>
+        <p:nvCxnSpPr>
+          <p:cNvPr id="44" name="Conector recto de flecha 43">
+            <a:extLst>
+              <a:ext uri="{FF2B5EF4-FFF2-40B4-BE49-F238E27FC236}">
+                <a16:creationId xmlns:a16="http://schemas.microsoft.com/office/drawing/2014/main" id="{D618FD51-ADFA-41AB-B871-1B669F97EAD6}"/>
+              </a:ext>
+            </a:extLst>
+          </p:cNvPr>
+          <p:cNvCxnSpPr>
+            <a:cxnSpLocks/>
+          </p:cNvCxnSpPr>
+          <p:nvPr/>
+        </p:nvCxnSpPr>
+        <p:spPr>
+          <a:xfrm flipH="1">
+            <a:off x="3262518" y="3518452"/>
+            <a:ext cx="255934" cy="834887"/>
+          </a:xfrm>
+          <a:prstGeom prst="straightConnector1">
+            <a:avLst/>
+          </a:prstGeom>
+          <a:ln w="28575">
+            <a:tailEnd type="triangle"/>
+          </a:ln>
+        </p:spPr>
+        <p:style>
+          <a:lnRef idx="1">
+            <a:schemeClr val="dk1"/>
+          </a:lnRef>
+          <a:fillRef idx="0">
+            <a:schemeClr val="dk1"/>
+          </a:fillRef>
+          <a:effectRef idx="0">
+            <a:schemeClr val="dk1"/>
+          </a:effectRef>
+          <a:fontRef idx="minor">
+            <a:schemeClr val="tx1"/>
+          </a:fontRef>
+        </p:style>
+      </p:cxnSp>
+      <p:sp>
+        <p:nvSpPr>
+          <p:cNvPr id="48" name="Rectángulo: esquinas redondeadas 47">
+            <a:extLst>
+              <a:ext uri="{FF2B5EF4-FFF2-40B4-BE49-F238E27FC236}">
+                <a16:creationId xmlns:a16="http://schemas.microsoft.com/office/drawing/2014/main" id="{A9C17CB6-B54C-43ED-9D8C-232162215FBB}"/>
+              </a:ext>
+            </a:extLst>
+          </p:cNvPr>
+          <p:cNvSpPr/>
+          <p:nvPr/>
+        </p:nvSpPr>
+        <p:spPr>
+          <a:xfrm>
+            <a:off x="7348330" y="4008783"/>
+            <a:ext cx="4333461" cy="2335695"/>
+          </a:xfrm>
+          <a:prstGeom prst="roundRect">
+            <a:avLst/>
+          </a:prstGeom>
+          <a:noFill/>
+          <a:ln w="38100"/>
+        </p:spPr>
+        <p:style>
+          <a:lnRef idx="2">
+            <a:schemeClr val="accent1">
+              <a:shade val="50000"/>
+            </a:schemeClr>
+          </a:lnRef>
+          <a:fillRef idx="1">
+            <a:schemeClr val="accent1"/>
+          </a:fillRef>
+          <a:effectRef idx="0">
+            <a:schemeClr val="accent1"/>
+          </a:effectRef>
+          <a:fontRef idx="minor">
+            <a:schemeClr val="lt1"/>
+          </a:fontRef>
+        </p:style>
+        <p:txBody>
+          <a:bodyPr rtlCol="0" anchor="ctr"/>
+          <a:lstStyle/>
+          <a:p>
+            <a:pPr algn="ctr"/>
+            <a:endParaRPr lang="en-GB"/>
+          </a:p>
+        </p:txBody>
+      </p:sp>
+      <p:sp>
+        <p:nvSpPr>
+          <p:cNvPr id="34" name="Flecha: a la derecha 33">
+            <a:extLst>
+              <a:ext uri="{FF2B5EF4-FFF2-40B4-BE49-F238E27FC236}">
+                <a16:creationId xmlns:a16="http://schemas.microsoft.com/office/drawing/2014/main" id="{D3AACEB9-77EF-40D9-B47E-E8C4F5A3732F}"/>
+              </a:ext>
+            </a:extLst>
+          </p:cNvPr>
+          <p:cNvSpPr/>
+          <p:nvPr/>
+        </p:nvSpPr>
+        <p:spPr>
+          <a:xfrm rot="19979431">
+            <a:off x="5257800" y="2176670"/>
+            <a:ext cx="2206487" cy="934278"/>
+          </a:xfrm>
+          <a:prstGeom prst="rightArrow">
+            <a:avLst/>
+          </a:prstGeom>
+        </p:spPr>
+        <p:style>
+          <a:lnRef idx="2">
+            <a:schemeClr val="accent1">
+              <a:shade val="50000"/>
+            </a:schemeClr>
+          </a:lnRef>
+          <a:fillRef idx="1">
+            <a:schemeClr val="accent1"/>
+          </a:fillRef>
+          <a:effectRef idx="0">
+            <a:schemeClr val="accent1"/>
+          </a:effectRef>
+          <a:fontRef idx="minor">
+            <a:schemeClr val="lt1"/>
+          </a:fontRef>
+        </p:style>
+        <p:txBody>
+          <a:bodyPr rtlCol="0" anchor="ctr"/>
+          <a:lstStyle/>
+          <a:p>
+            <a:pPr algn="ctr"/>
+            <a:endParaRPr lang="en-GB"/>
+          </a:p>
+        </p:txBody>
+      </p:sp>
+      <p:sp>
+        <p:nvSpPr>
+          <p:cNvPr id="50" name="Flecha: a la derecha 49">
+            <a:extLst>
+              <a:ext uri="{FF2B5EF4-FFF2-40B4-BE49-F238E27FC236}">
+                <a16:creationId xmlns:a16="http://schemas.microsoft.com/office/drawing/2014/main" id="{C5E059EF-3AD1-42C6-A8A5-52E0BC5B2093}"/>
+              </a:ext>
+            </a:extLst>
+          </p:cNvPr>
+          <p:cNvSpPr/>
+          <p:nvPr/>
+        </p:nvSpPr>
+        <p:spPr>
+          <a:xfrm rot="5101766">
+            <a:off x="9241422" y="3196485"/>
+            <a:ext cx="844219" cy="934278"/>
+          </a:xfrm>
+          <a:prstGeom prst="rightArrow">
+            <a:avLst/>
+          </a:prstGeom>
+        </p:spPr>
+        <p:style>
+          <a:lnRef idx="2">
+            <a:schemeClr val="accent1">
+              <a:shade val="50000"/>
+            </a:schemeClr>
+          </a:lnRef>
+          <a:fillRef idx="1">
+            <a:schemeClr val="accent1"/>
+          </a:fillRef>
+          <a:effectRef idx="0">
+            <a:schemeClr val="accent1"/>
+          </a:effectRef>
+          <a:fontRef idx="minor">
+            <a:schemeClr val="lt1"/>
+          </a:fontRef>
+        </p:style>
+        <p:txBody>
+          <a:bodyPr rtlCol="0" anchor="ctr"/>
+          <a:lstStyle/>
+          <a:p>
+            <a:pPr algn="ctr"/>
             <a:endParaRPr lang="en-GB"/>
           </a:p>
         </p:txBody>
@@ -3903,6 +4932,1138 @@
   <p:clrMapOvr>
     <a:masterClrMapping/>
   </p:clrMapOvr>
+  <p:timing>
+    <p:tnLst>
+      <p:par>
+        <p:cTn id="1" dur="indefinite" restart="never" nodeType="tmRoot">
+          <p:childTnLst>
+            <p:seq concurrent="1" nextAc="seek">
+              <p:cTn id="2" dur="indefinite" nodeType="mainSeq">
+                <p:childTnLst>
+                  <p:par>
+                    <p:cTn id="3" fill="hold">
+                      <p:stCondLst>
+                        <p:cond delay="indefinite"/>
+                      </p:stCondLst>
+                      <p:childTnLst>
+                        <p:par>
+                          <p:cTn id="4" fill="hold">
+                            <p:stCondLst>
+                              <p:cond delay="0"/>
+                            </p:stCondLst>
+                            <p:childTnLst>
+                              <p:par>
+                                <p:cTn id="5" presetID="2" presetClass="entr" presetSubtype="4" fill="hold" nodeType="clickEffect">
+                                  <p:stCondLst>
+                                    <p:cond delay="0"/>
+                                  </p:stCondLst>
+                                  <p:childTnLst>
+                                    <p:set>
+                                      <p:cBhvr>
+                                        <p:cTn id="6" dur="1" fill="hold">
+                                          <p:stCondLst>
+                                            <p:cond delay="0"/>
+                                          </p:stCondLst>
+                                        </p:cTn>
+                                        <p:tgtEl>
+                                          <p:spTgt spid="29"/>
+                                        </p:tgtEl>
+                                        <p:attrNameLst>
+                                          <p:attrName>style.visibility</p:attrName>
+                                        </p:attrNameLst>
+                                      </p:cBhvr>
+                                      <p:to>
+                                        <p:strVal val="visible"/>
+                                      </p:to>
+                                    </p:set>
+                                    <p:anim calcmode="lin" valueType="num">
+                                      <p:cBhvr additive="base">
+                                        <p:cTn id="7" dur="500" fill="hold"/>
+                                        <p:tgtEl>
+                                          <p:spTgt spid="29"/>
+                                        </p:tgtEl>
+                                        <p:attrNameLst>
+                                          <p:attrName>ppt_x</p:attrName>
+                                        </p:attrNameLst>
+                                      </p:cBhvr>
+                                      <p:tavLst>
+                                        <p:tav tm="0">
+                                          <p:val>
+                                            <p:strVal val="#ppt_x"/>
+                                          </p:val>
+                                        </p:tav>
+                                        <p:tav tm="100000">
+                                          <p:val>
+                                            <p:strVal val="#ppt_x"/>
+                                          </p:val>
+                                        </p:tav>
+                                      </p:tavLst>
+                                    </p:anim>
+                                    <p:anim calcmode="lin" valueType="num">
+                                      <p:cBhvr additive="base">
+                                        <p:cTn id="8" dur="500" fill="hold"/>
+                                        <p:tgtEl>
+                                          <p:spTgt spid="29"/>
+                                        </p:tgtEl>
+                                        <p:attrNameLst>
+                                          <p:attrName>ppt_y</p:attrName>
+                                        </p:attrNameLst>
+                                      </p:cBhvr>
+                                      <p:tavLst>
+                                        <p:tav tm="0">
+                                          <p:val>
+                                            <p:strVal val="1+#ppt_h/2"/>
+                                          </p:val>
+                                        </p:tav>
+                                        <p:tav tm="100000">
+                                          <p:val>
+                                            <p:strVal val="#ppt_y"/>
+                                          </p:val>
+                                        </p:tav>
+                                      </p:tavLst>
+                                    </p:anim>
+                                  </p:childTnLst>
+                                </p:cTn>
+                              </p:par>
+                              <p:par>
+                                <p:cTn id="9" presetID="2" presetClass="entr" presetSubtype="4" fill="hold" nodeType="withEffect">
+                                  <p:stCondLst>
+                                    <p:cond delay="0"/>
+                                  </p:stCondLst>
+                                  <p:childTnLst>
+                                    <p:set>
+                                      <p:cBhvr>
+                                        <p:cTn id="10" dur="1" fill="hold">
+                                          <p:stCondLst>
+                                            <p:cond delay="0"/>
+                                          </p:stCondLst>
+                                        </p:cTn>
+                                        <p:tgtEl>
+                                          <p:spTgt spid="1044"/>
+                                        </p:tgtEl>
+                                        <p:attrNameLst>
+                                          <p:attrName>style.visibility</p:attrName>
+                                        </p:attrNameLst>
+                                      </p:cBhvr>
+                                      <p:to>
+                                        <p:strVal val="visible"/>
+                                      </p:to>
+                                    </p:set>
+                                    <p:anim calcmode="lin" valueType="num">
+                                      <p:cBhvr additive="base">
+                                        <p:cTn id="11" dur="500" fill="hold"/>
+                                        <p:tgtEl>
+                                          <p:spTgt spid="1044"/>
+                                        </p:tgtEl>
+                                        <p:attrNameLst>
+                                          <p:attrName>ppt_x</p:attrName>
+                                        </p:attrNameLst>
+                                      </p:cBhvr>
+                                      <p:tavLst>
+                                        <p:tav tm="0">
+                                          <p:val>
+                                            <p:strVal val="#ppt_x"/>
+                                          </p:val>
+                                        </p:tav>
+                                        <p:tav tm="100000">
+                                          <p:val>
+                                            <p:strVal val="#ppt_x"/>
+                                          </p:val>
+                                        </p:tav>
+                                      </p:tavLst>
+                                    </p:anim>
+                                    <p:anim calcmode="lin" valueType="num">
+                                      <p:cBhvr additive="base">
+                                        <p:cTn id="12" dur="500" fill="hold"/>
+                                        <p:tgtEl>
+                                          <p:spTgt spid="1044"/>
+                                        </p:tgtEl>
+                                        <p:attrNameLst>
+                                          <p:attrName>ppt_y</p:attrName>
+                                        </p:attrNameLst>
+                                      </p:cBhvr>
+                                      <p:tavLst>
+                                        <p:tav tm="0">
+                                          <p:val>
+                                            <p:strVal val="1+#ppt_h/2"/>
+                                          </p:val>
+                                        </p:tav>
+                                        <p:tav tm="100000">
+                                          <p:val>
+                                            <p:strVal val="#ppt_y"/>
+                                          </p:val>
+                                        </p:tav>
+                                      </p:tavLst>
+                                    </p:anim>
+                                  </p:childTnLst>
+                                </p:cTn>
+                              </p:par>
+                              <p:par>
+                                <p:cTn id="13" presetID="2" presetClass="entr" presetSubtype="4" fill="hold" nodeType="withEffect">
+                                  <p:stCondLst>
+                                    <p:cond delay="0"/>
+                                  </p:stCondLst>
+                                  <p:childTnLst>
+                                    <p:set>
+                                      <p:cBhvr>
+                                        <p:cTn id="14" dur="1" fill="hold">
+                                          <p:stCondLst>
+                                            <p:cond delay="0"/>
+                                          </p:stCondLst>
+                                        </p:cTn>
+                                        <p:tgtEl>
+                                          <p:spTgt spid="44"/>
+                                        </p:tgtEl>
+                                        <p:attrNameLst>
+                                          <p:attrName>style.visibility</p:attrName>
+                                        </p:attrNameLst>
+                                      </p:cBhvr>
+                                      <p:to>
+                                        <p:strVal val="visible"/>
+                                      </p:to>
+                                    </p:set>
+                                    <p:anim calcmode="lin" valueType="num">
+                                      <p:cBhvr additive="base">
+                                        <p:cTn id="15" dur="500" fill="hold"/>
+                                        <p:tgtEl>
+                                          <p:spTgt spid="44"/>
+                                        </p:tgtEl>
+                                        <p:attrNameLst>
+                                          <p:attrName>ppt_x</p:attrName>
+                                        </p:attrNameLst>
+                                      </p:cBhvr>
+                                      <p:tavLst>
+                                        <p:tav tm="0">
+                                          <p:val>
+                                            <p:strVal val="#ppt_x"/>
+                                          </p:val>
+                                        </p:tav>
+                                        <p:tav tm="100000">
+                                          <p:val>
+                                            <p:strVal val="#ppt_x"/>
+                                          </p:val>
+                                        </p:tav>
+                                      </p:tavLst>
+                                    </p:anim>
+                                    <p:anim calcmode="lin" valueType="num">
+                                      <p:cBhvr additive="base">
+                                        <p:cTn id="16" dur="500" fill="hold"/>
+                                        <p:tgtEl>
+                                          <p:spTgt spid="44"/>
+                                        </p:tgtEl>
+                                        <p:attrNameLst>
+                                          <p:attrName>ppt_y</p:attrName>
+                                        </p:attrNameLst>
+                                      </p:cBhvr>
+                                      <p:tavLst>
+                                        <p:tav tm="0">
+                                          <p:val>
+                                            <p:strVal val="1+#ppt_h/2"/>
+                                          </p:val>
+                                        </p:tav>
+                                        <p:tav tm="100000">
+                                          <p:val>
+                                            <p:strVal val="#ppt_y"/>
+                                          </p:val>
+                                        </p:tav>
+                                      </p:tavLst>
+                                    </p:anim>
+                                  </p:childTnLst>
+                                </p:cTn>
+                              </p:par>
+                              <p:par>
+                                <p:cTn id="17" presetID="2" presetClass="entr" presetSubtype="4" fill="hold" nodeType="withEffect">
+                                  <p:stCondLst>
+                                    <p:cond delay="0"/>
+                                  </p:stCondLst>
+                                  <p:childTnLst>
+                                    <p:set>
+                                      <p:cBhvr>
+                                        <p:cTn id="18" dur="1" fill="hold">
+                                          <p:stCondLst>
+                                            <p:cond delay="0"/>
+                                          </p:stCondLst>
+                                        </p:cTn>
+                                        <p:tgtEl>
+                                          <p:spTgt spid="1042"/>
+                                        </p:tgtEl>
+                                        <p:attrNameLst>
+                                          <p:attrName>style.visibility</p:attrName>
+                                        </p:attrNameLst>
+                                      </p:cBhvr>
+                                      <p:to>
+                                        <p:strVal val="visible"/>
+                                      </p:to>
+                                    </p:set>
+                                    <p:anim calcmode="lin" valueType="num">
+                                      <p:cBhvr additive="base">
+                                        <p:cTn id="19" dur="500" fill="hold"/>
+                                        <p:tgtEl>
+                                          <p:spTgt spid="1042"/>
+                                        </p:tgtEl>
+                                        <p:attrNameLst>
+                                          <p:attrName>ppt_x</p:attrName>
+                                        </p:attrNameLst>
+                                      </p:cBhvr>
+                                      <p:tavLst>
+                                        <p:tav tm="0">
+                                          <p:val>
+                                            <p:strVal val="#ppt_x"/>
+                                          </p:val>
+                                        </p:tav>
+                                        <p:tav tm="100000">
+                                          <p:val>
+                                            <p:strVal val="#ppt_x"/>
+                                          </p:val>
+                                        </p:tav>
+                                      </p:tavLst>
+                                    </p:anim>
+                                    <p:anim calcmode="lin" valueType="num">
+                                      <p:cBhvr additive="base">
+                                        <p:cTn id="20" dur="500" fill="hold"/>
+                                        <p:tgtEl>
+                                          <p:spTgt spid="1042"/>
+                                        </p:tgtEl>
+                                        <p:attrNameLst>
+                                          <p:attrName>ppt_y</p:attrName>
+                                        </p:attrNameLst>
+                                      </p:cBhvr>
+                                      <p:tavLst>
+                                        <p:tav tm="0">
+                                          <p:val>
+                                            <p:strVal val="1+#ppt_h/2"/>
+                                          </p:val>
+                                        </p:tav>
+                                        <p:tav tm="100000">
+                                          <p:val>
+                                            <p:strVal val="#ppt_y"/>
+                                          </p:val>
+                                        </p:tav>
+                                      </p:tavLst>
+                                    </p:anim>
+                                  </p:childTnLst>
+                                </p:cTn>
+                              </p:par>
+                              <p:par>
+                                <p:cTn id="21" presetID="2" presetClass="entr" presetSubtype="4" fill="hold" grpId="0" nodeType="withEffect">
+                                  <p:stCondLst>
+                                    <p:cond delay="0"/>
+                                  </p:stCondLst>
+                                  <p:childTnLst>
+                                    <p:set>
+                                      <p:cBhvr>
+                                        <p:cTn id="22" dur="1" fill="hold">
+                                          <p:stCondLst>
+                                            <p:cond delay="0"/>
+                                          </p:stCondLst>
+                                        </p:cTn>
+                                        <p:tgtEl>
+                                          <p:spTgt spid="40"/>
+                                        </p:tgtEl>
+                                        <p:attrNameLst>
+                                          <p:attrName>style.visibility</p:attrName>
+                                        </p:attrNameLst>
+                                      </p:cBhvr>
+                                      <p:to>
+                                        <p:strVal val="visible"/>
+                                      </p:to>
+                                    </p:set>
+                                    <p:anim calcmode="lin" valueType="num">
+                                      <p:cBhvr additive="base">
+                                        <p:cTn id="23" dur="500" fill="hold"/>
+                                        <p:tgtEl>
+                                          <p:spTgt spid="40"/>
+                                        </p:tgtEl>
+                                        <p:attrNameLst>
+                                          <p:attrName>ppt_x</p:attrName>
+                                        </p:attrNameLst>
+                                      </p:cBhvr>
+                                      <p:tavLst>
+                                        <p:tav tm="0">
+                                          <p:val>
+                                            <p:strVal val="#ppt_x"/>
+                                          </p:val>
+                                        </p:tav>
+                                        <p:tav tm="100000">
+                                          <p:val>
+                                            <p:strVal val="#ppt_x"/>
+                                          </p:val>
+                                        </p:tav>
+                                      </p:tavLst>
+                                    </p:anim>
+                                    <p:anim calcmode="lin" valueType="num">
+                                      <p:cBhvr additive="base">
+                                        <p:cTn id="24" dur="500" fill="hold"/>
+                                        <p:tgtEl>
+                                          <p:spTgt spid="40"/>
+                                        </p:tgtEl>
+                                        <p:attrNameLst>
+                                          <p:attrName>ppt_y</p:attrName>
+                                        </p:attrNameLst>
+                                      </p:cBhvr>
+                                      <p:tavLst>
+                                        <p:tav tm="0">
+                                          <p:val>
+                                            <p:strVal val="1+#ppt_h/2"/>
+                                          </p:val>
+                                        </p:tav>
+                                        <p:tav tm="100000">
+                                          <p:val>
+                                            <p:strVal val="#ppt_y"/>
+                                          </p:val>
+                                        </p:tav>
+                                      </p:tavLst>
+                                    </p:anim>
+                                  </p:childTnLst>
+                                </p:cTn>
+                              </p:par>
+                            </p:childTnLst>
+                          </p:cTn>
+                        </p:par>
+                      </p:childTnLst>
+                    </p:cTn>
+                  </p:par>
+                  <p:par>
+                    <p:cTn id="25" fill="hold">
+                      <p:stCondLst>
+                        <p:cond delay="indefinite"/>
+                      </p:stCondLst>
+                      <p:childTnLst>
+                        <p:par>
+                          <p:cTn id="26" fill="hold">
+                            <p:stCondLst>
+                              <p:cond delay="0"/>
+                            </p:stCondLst>
+                            <p:childTnLst>
+                              <p:par>
+                                <p:cTn id="27" presetID="2" presetClass="entr" presetSubtype="4" fill="hold" grpId="0" nodeType="clickEffect">
+                                  <p:stCondLst>
+                                    <p:cond delay="0"/>
+                                  </p:stCondLst>
+                                  <p:childTnLst>
+                                    <p:set>
+                                      <p:cBhvr>
+                                        <p:cTn id="28" dur="1" fill="hold">
+                                          <p:stCondLst>
+                                            <p:cond delay="0"/>
+                                          </p:stCondLst>
+                                        </p:cTn>
+                                        <p:tgtEl>
+                                          <p:spTgt spid="34"/>
+                                        </p:tgtEl>
+                                        <p:attrNameLst>
+                                          <p:attrName>style.visibility</p:attrName>
+                                        </p:attrNameLst>
+                                      </p:cBhvr>
+                                      <p:to>
+                                        <p:strVal val="visible"/>
+                                      </p:to>
+                                    </p:set>
+                                    <p:anim calcmode="lin" valueType="num">
+                                      <p:cBhvr additive="base">
+                                        <p:cTn id="29" dur="500" fill="hold"/>
+                                        <p:tgtEl>
+                                          <p:spTgt spid="34"/>
+                                        </p:tgtEl>
+                                        <p:attrNameLst>
+                                          <p:attrName>ppt_x</p:attrName>
+                                        </p:attrNameLst>
+                                      </p:cBhvr>
+                                      <p:tavLst>
+                                        <p:tav tm="0">
+                                          <p:val>
+                                            <p:strVal val="#ppt_x"/>
+                                          </p:val>
+                                        </p:tav>
+                                        <p:tav tm="100000">
+                                          <p:val>
+                                            <p:strVal val="#ppt_x"/>
+                                          </p:val>
+                                        </p:tav>
+                                      </p:tavLst>
+                                    </p:anim>
+                                    <p:anim calcmode="lin" valueType="num">
+                                      <p:cBhvr additive="base">
+                                        <p:cTn id="30" dur="500" fill="hold"/>
+                                        <p:tgtEl>
+                                          <p:spTgt spid="34"/>
+                                        </p:tgtEl>
+                                        <p:attrNameLst>
+                                          <p:attrName>ppt_y</p:attrName>
+                                        </p:attrNameLst>
+                                      </p:cBhvr>
+                                      <p:tavLst>
+                                        <p:tav tm="0">
+                                          <p:val>
+                                            <p:strVal val="1+#ppt_h/2"/>
+                                          </p:val>
+                                        </p:tav>
+                                        <p:tav tm="100000">
+                                          <p:val>
+                                            <p:strVal val="#ppt_y"/>
+                                          </p:val>
+                                        </p:tav>
+                                      </p:tavLst>
+                                    </p:anim>
+                                  </p:childTnLst>
+                                </p:cTn>
+                              </p:par>
+                            </p:childTnLst>
+                          </p:cTn>
+                        </p:par>
+                      </p:childTnLst>
+                    </p:cTn>
+                  </p:par>
+                  <p:par>
+                    <p:cTn id="31" fill="hold">
+                      <p:stCondLst>
+                        <p:cond delay="indefinite"/>
+                      </p:stCondLst>
+                      <p:childTnLst>
+                        <p:par>
+                          <p:cTn id="32" fill="hold">
+                            <p:stCondLst>
+                              <p:cond delay="0"/>
+                            </p:stCondLst>
+                            <p:childTnLst>
+                              <p:par>
+                                <p:cTn id="33" presetID="42" presetClass="entr" presetSubtype="0" fill="hold" grpId="0" nodeType="clickEffect">
+                                  <p:stCondLst>
+                                    <p:cond delay="1100"/>
+                                  </p:stCondLst>
+                                  <p:childTnLst>
+                                    <p:set>
+                                      <p:cBhvr>
+                                        <p:cTn id="34" dur="1" fill="hold">
+                                          <p:stCondLst>
+                                            <p:cond delay="0"/>
+                                          </p:stCondLst>
+                                        </p:cTn>
+                                        <p:tgtEl>
+                                          <p:spTgt spid="25"/>
+                                        </p:tgtEl>
+                                        <p:attrNameLst>
+                                          <p:attrName>style.visibility</p:attrName>
+                                        </p:attrNameLst>
+                                      </p:cBhvr>
+                                      <p:to>
+                                        <p:strVal val="visible"/>
+                                      </p:to>
+                                    </p:set>
+                                    <p:animEffect transition="in" filter="fade">
+                                      <p:cBhvr>
+                                        <p:cTn id="35" dur="900"/>
+                                        <p:tgtEl>
+                                          <p:spTgt spid="25"/>
+                                        </p:tgtEl>
+                                      </p:cBhvr>
+                                    </p:animEffect>
+                                    <p:anim calcmode="lin" valueType="num">
+                                      <p:cBhvr>
+                                        <p:cTn id="36" dur="900" fill="hold"/>
+                                        <p:tgtEl>
+                                          <p:spTgt spid="25"/>
+                                        </p:tgtEl>
+                                        <p:attrNameLst>
+                                          <p:attrName>ppt_x</p:attrName>
+                                        </p:attrNameLst>
+                                      </p:cBhvr>
+                                      <p:tavLst>
+                                        <p:tav tm="0">
+                                          <p:val>
+                                            <p:strVal val="#ppt_x"/>
+                                          </p:val>
+                                        </p:tav>
+                                        <p:tav tm="100000">
+                                          <p:val>
+                                            <p:strVal val="#ppt_x"/>
+                                          </p:val>
+                                        </p:tav>
+                                      </p:tavLst>
+                                    </p:anim>
+                                    <p:anim calcmode="lin" valueType="num">
+                                      <p:cBhvr>
+                                        <p:cTn id="37" dur="900" fill="hold"/>
+                                        <p:tgtEl>
+                                          <p:spTgt spid="25"/>
+                                        </p:tgtEl>
+                                        <p:attrNameLst>
+                                          <p:attrName>ppt_y</p:attrName>
+                                        </p:attrNameLst>
+                                      </p:cBhvr>
+                                      <p:tavLst>
+                                        <p:tav tm="0">
+                                          <p:val>
+                                            <p:strVal val="#ppt_y+.1"/>
+                                          </p:val>
+                                        </p:tav>
+                                        <p:tav tm="100000">
+                                          <p:val>
+                                            <p:strVal val="#ppt_y"/>
+                                          </p:val>
+                                        </p:tav>
+                                      </p:tavLst>
+                                    </p:anim>
+                                  </p:childTnLst>
+                                </p:cTn>
+                              </p:par>
+                              <p:par>
+                                <p:cTn id="38" presetID="42" presetClass="entr" presetSubtype="0" fill="hold" nodeType="withEffect">
+                                  <p:stCondLst>
+                                    <p:cond delay="1000"/>
+                                  </p:stCondLst>
+                                  <p:childTnLst>
+                                    <p:set>
+                                      <p:cBhvr>
+                                        <p:cTn id="39" dur="1" fill="hold">
+                                          <p:stCondLst>
+                                            <p:cond delay="0"/>
+                                          </p:stCondLst>
+                                        </p:cTn>
+                                        <p:tgtEl>
+                                          <p:spTgt spid="1030"/>
+                                        </p:tgtEl>
+                                        <p:attrNameLst>
+                                          <p:attrName>style.visibility</p:attrName>
+                                        </p:attrNameLst>
+                                      </p:cBhvr>
+                                      <p:to>
+                                        <p:strVal val="visible"/>
+                                      </p:to>
+                                    </p:set>
+                                    <p:animEffect transition="in" filter="fade">
+                                      <p:cBhvr>
+                                        <p:cTn id="40" dur="1000"/>
+                                        <p:tgtEl>
+                                          <p:spTgt spid="1030"/>
+                                        </p:tgtEl>
+                                      </p:cBhvr>
+                                    </p:animEffect>
+                                    <p:anim calcmode="lin" valueType="num">
+                                      <p:cBhvr>
+                                        <p:cTn id="41" dur="1000" fill="hold"/>
+                                        <p:tgtEl>
+                                          <p:spTgt spid="1030"/>
+                                        </p:tgtEl>
+                                        <p:attrNameLst>
+                                          <p:attrName>ppt_x</p:attrName>
+                                        </p:attrNameLst>
+                                      </p:cBhvr>
+                                      <p:tavLst>
+                                        <p:tav tm="0">
+                                          <p:val>
+                                            <p:strVal val="#ppt_x"/>
+                                          </p:val>
+                                        </p:tav>
+                                        <p:tav tm="100000">
+                                          <p:val>
+                                            <p:strVal val="#ppt_x"/>
+                                          </p:val>
+                                        </p:tav>
+                                      </p:tavLst>
+                                    </p:anim>
+                                    <p:anim calcmode="lin" valueType="num">
+                                      <p:cBhvr>
+                                        <p:cTn id="42" dur="1000" fill="hold"/>
+                                        <p:tgtEl>
+                                          <p:spTgt spid="1030"/>
+                                        </p:tgtEl>
+                                        <p:attrNameLst>
+                                          <p:attrName>ppt_y</p:attrName>
+                                        </p:attrNameLst>
+                                      </p:cBhvr>
+                                      <p:tavLst>
+                                        <p:tav tm="0">
+                                          <p:val>
+                                            <p:strVal val="#ppt_y+.1"/>
+                                          </p:val>
+                                        </p:tav>
+                                        <p:tav tm="100000">
+                                          <p:val>
+                                            <p:strVal val="#ppt_y"/>
+                                          </p:val>
+                                        </p:tav>
+                                      </p:tavLst>
+                                    </p:anim>
+                                  </p:childTnLst>
+                                </p:cTn>
+                              </p:par>
+                              <p:par>
+                                <p:cTn id="43" presetID="42" presetClass="entr" presetSubtype="0" fill="hold" nodeType="withEffect">
+                                  <p:stCondLst>
+                                    <p:cond delay="1000"/>
+                                  </p:stCondLst>
+                                  <p:childTnLst>
+                                    <p:set>
+                                      <p:cBhvr>
+                                        <p:cTn id="44" dur="1" fill="hold">
+                                          <p:stCondLst>
+                                            <p:cond delay="0"/>
+                                          </p:stCondLst>
+                                        </p:cTn>
+                                        <p:tgtEl>
+                                          <p:spTgt spid="33"/>
+                                        </p:tgtEl>
+                                        <p:attrNameLst>
+                                          <p:attrName>style.visibility</p:attrName>
+                                        </p:attrNameLst>
+                                      </p:cBhvr>
+                                      <p:to>
+                                        <p:strVal val="visible"/>
+                                      </p:to>
+                                    </p:set>
+                                    <p:animEffect transition="in" filter="fade">
+                                      <p:cBhvr>
+                                        <p:cTn id="45" dur="1000"/>
+                                        <p:tgtEl>
+                                          <p:spTgt spid="33"/>
+                                        </p:tgtEl>
+                                      </p:cBhvr>
+                                    </p:animEffect>
+                                    <p:anim calcmode="lin" valueType="num">
+                                      <p:cBhvr>
+                                        <p:cTn id="46" dur="1000" fill="hold"/>
+                                        <p:tgtEl>
+                                          <p:spTgt spid="33"/>
+                                        </p:tgtEl>
+                                        <p:attrNameLst>
+                                          <p:attrName>ppt_x</p:attrName>
+                                        </p:attrNameLst>
+                                      </p:cBhvr>
+                                      <p:tavLst>
+                                        <p:tav tm="0">
+                                          <p:val>
+                                            <p:strVal val="#ppt_x"/>
+                                          </p:val>
+                                        </p:tav>
+                                        <p:tav tm="100000">
+                                          <p:val>
+                                            <p:strVal val="#ppt_x"/>
+                                          </p:val>
+                                        </p:tav>
+                                      </p:tavLst>
+                                    </p:anim>
+                                    <p:anim calcmode="lin" valueType="num">
+                                      <p:cBhvr>
+                                        <p:cTn id="47" dur="1000" fill="hold"/>
+                                        <p:tgtEl>
+                                          <p:spTgt spid="33"/>
+                                        </p:tgtEl>
+                                        <p:attrNameLst>
+                                          <p:attrName>ppt_y</p:attrName>
+                                        </p:attrNameLst>
+                                      </p:cBhvr>
+                                      <p:tavLst>
+                                        <p:tav tm="0">
+                                          <p:val>
+                                            <p:strVal val="#ppt_y+.1"/>
+                                          </p:val>
+                                        </p:tav>
+                                        <p:tav tm="100000">
+                                          <p:val>
+                                            <p:strVal val="#ppt_y"/>
+                                          </p:val>
+                                        </p:tav>
+                                      </p:tavLst>
+                                    </p:anim>
+                                  </p:childTnLst>
+                                </p:cTn>
+                              </p:par>
+                              <p:par>
+                                <p:cTn id="48" presetID="42" presetClass="entr" presetSubtype="0" fill="hold" nodeType="withEffect">
+                                  <p:stCondLst>
+                                    <p:cond delay="1000"/>
+                                  </p:stCondLst>
+                                  <p:childTnLst>
+                                    <p:set>
+                                      <p:cBhvr>
+                                        <p:cTn id="49" dur="1" fill="hold">
+                                          <p:stCondLst>
+                                            <p:cond delay="0"/>
+                                          </p:stCondLst>
+                                        </p:cTn>
+                                        <p:tgtEl>
+                                          <p:spTgt spid="1036"/>
+                                        </p:tgtEl>
+                                        <p:attrNameLst>
+                                          <p:attrName>style.visibility</p:attrName>
+                                        </p:attrNameLst>
+                                      </p:cBhvr>
+                                      <p:to>
+                                        <p:strVal val="visible"/>
+                                      </p:to>
+                                    </p:set>
+                                    <p:animEffect transition="in" filter="fade">
+                                      <p:cBhvr>
+                                        <p:cTn id="50" dur="1000"/>
+                                        <p:tgtEl>
+                                          <p:spTgt spid="1036"/>
+                                        </p:tgtEl>
+                                      </p:cBhvr>
+                                    </p:animEffect>
+                                    <p:anim calcmode="lin" valueType="num">
+                                      <p:cBhvr>
+                                        <p:cTn id="51" dur="1000" fill="hold"/>
+                                        <p:tgtEl>
+                                          <p:spTgt spid="1036"/>
+                                        </p:tgtEl>
+                                        <p:attrNameLst>
+                                          <p:attrName>ppt_x</p:attrName>
+                                        </p:attrNameLst>
+                                      </p:cBhvr>
+                                      <p:tavLst>
+                                        <p:tav tm="0">
+                                          <p:val>
+                                            <p:strVal val="#ppt_x"/>
+                                          </p:val>
+                                        </p:tav>
+                                        <p:tav tm="100000">
+                                          <p:val>
+                                            <p:strVal val="#ppt_x"/>
+                                          </p:val>
+                                        </p:tav>
+                                      </p:tavLst>
+                                    </p:anim>
+                                    <p:anim calcmode="lin" valueType="num">
+                                      <p:cBhvr>
+                                        <p:cTn id="52" dur="1000" fill="hold"/>
+                                        <p:tgtEl>
+                                          <p:spTgt spid="1036"/>
+                                        </p:tgtEl>
+                                        <p:attrNameLst>
+                                          <p:attrName>ppt_y</p:attrName>
+                                        </p:attrNameLst>
+                                      </p:cBhvr>
+                                      <p:tavLst>
+                                        <p:tav tm="0">
+                                          <p:val>
+                                            <p:strVal val="#ppt_y+.1"/>
+                                          </p:val>
+                                        </p:tav>
+                                        <p:tav tm="100000">
+                                          <p:val>
+                                            <p:strVal val="#ppt_y"/>
+                                          </p:val>
+                                        </p:tav>
+                                      </p:tavLst>
+                                    </p:anim>
+                                  </p:childTnLst>
+                                </p:cTn>
+                              </p:par>
+                            </p:childTnLst>
+                          </p:cTn>
+                        </p:par>
+                      </p:childTnLst>
+                    </p:cTn>
+                  </p:par>
+                  <p:par>
+                    <p:cTn id="53" fill="hold">
+                      <p:stCondLst>
+                        <p:cond delay="indefinite"/>
+                      </p:stCondLst>
+                      <p:childTnLst>
+                        <p:par>
+                          <p:cTn id="54" fill="hold">
+                            <p:stCondLst>
+                              <p:cond delay="0"/>
+                            </p:stCondLst>
+                            <p:childTnLst>
+                              <p:par>
+                                <p:cTn id="55" presetID="42" presetClass="entr" presetSubtype="0" fill="hold" grpId="0" nodeType="clickEffect">
+                                  <p:stCondLst>
+                                    <p:cond delay="2100"/>
+                                  </p:stCondLst>
+                                  <p:childTnLst>
+                                    <p:set>
+                                      <p:cBhvr>
+                                        <p:cTn id="56" dur="1" fill="hold">
+                                          <p:stCondLst>
+                                            <p:cond delay="0"/>
+                                          </p:stCondLst>
+                                        </p:cTn>
+                                        <p:tgtEl>
+                                          <p:spTgt spid="50"/>
+                                        </p:tgtEl>
+                                        <p:attrNameLst>
+                                          <p:attrName>style.visibility</p:attrName>
+                                        </p:attrNameLst>
+                                      </p:cBhvr>
+                                      <p:to>
+                                        <p:strVal val="visible"/>
+                                      </p:to>
+                                    </p:set>
+                                    <p:animEffect transition="in" filter="fade">
+                                      <p:cBhvr>
+                                        <p:cTn id="57" dur="1000"/>
+                                        <p:tgtEl>
+                                          <p:spTgt spid="50"/>
+                                        </p:tgtEl>
+                                      </p:cBhvr>
+                                    </p:animEffect>
+                                    <p:anim calcmode="lin" valueType="num">
+                                      <p:cBhvr>
+                                        <p:cTn id="58" dur="1000" fill="hold"/>
+                                        <p:tgtEl>
+                                          <p:spTgt spid="50"/>
+                                        </p:tgtEl>
+                                        <p:attrNameLst>
+                                          <p:attrName>ppt_x</p:attrName>
+                                        </p:attrNameLst>
+                                      </p:cBhvr>
+                                      <p:tavLst>
+                                        <p:tav tm="0">
+                                          <p:val>
+                                            <p:strVal val="#ppt_x"/>
+                                          </p:val>
+                                        </p:tav>
+                                        <p:tav tm="100000">
+                                          <p:val>
+                                            <p:strVal val="#ppt_x"/>
+                                          </p:val>
+                                        </p:tav>
+                                      </p:tavLst>
+                                    </p:anim>
+                                    <p:anim calcmode="lin" valueType="num">
+                                      <p:cBhvr>
+                                        <p:cTn id="59" dur="1000" fill="hold"/>
+                                        <p:tgtEl>
+                                          <p:spTgt spid="50"/>
+                                        </p:tgtEl>
+                                        <p:attrNameLst>
+                                          <p:attrName>ppt_y</p:attrName>
+                                        </p:attrNameLst>
+                                      </p:cBhvr>
+                                      <p:tavLst>
+                                        <p:tav tm="0">
+                                          <p:val>
+                                            <p:strVal val="#ppt_y+.1"/>
+                                          </p:val>
+                                        </p:tav>
+                                        <p:tav tm="100000">
+                                          <p:val>
+                                            <p:strVal val="#ppt_y"/>
+                                          </p:val>
+                                        </p:tav>
+                                      </p:tavLst>
+                                    </p:anim>
+                                  </p:childTnLst>
+                                </p:cTn>
+                              </p:par>
+                            </p:childTnLst>
+                          </p:cTn>
+                        </p:par>
+                      </p:childTnLst>
+                    </p:cTn>
+                  </p:par>
+                  <p:par>
+                    <p:cTn id="60" fill="hold">
+                      <p:stCondLst>
+                        <p:cond delay="indefinite"/>
+                      </p:stCondLst>
+                      <p:childTnLst>
+                        <p:par>
+                          <p:cTn id="61" fill="hold">
+                            <p:stCondLst>
+                              <p:cond delay="0"/>
+                            </p:stCondLst>
+                            <p:childTnLst>
+                              <p:par>
+                                <p:cTn id="62" presetID="42" presetClass="entr" presetSubtype="0" fill="hold" grpId="0" nodeType="clickEffect">
+                                  <p:stCondLst>
+                                    <p:cond delay="3100"/>
+                                  </p:stCondLst>
+                                  <p:childTnLst>
+                                    <p:set>
+                                      <p:cBhvr>
+                                        <p:cTn id="63" dur="1" fill="hold">
+                                          <p:stCondLst>
+                                            <p:cond delay="0"/>
+                                          </p:stCondLst>
+                                        </p:cTn>
+                                        <p:tgtEl>
+                                          <p:spTgt spid="48"/>
+                                        </p:tgtEl>
+                                        <p:attrNameLst>
+                                          <p:attrName>style.visibility</p:attrName>
+                                        </p:attrNameLst>
+                                      </p:cBhvr>
+                                      <p:to>
+                                        <p:strVal val="visible"/>
+                                      </p:to>
+                                    </p:set>
+                                    <p:animEffect transition="in" filter="fade">
+                                      <p:cBhvr>
+                                        <p:cTn id="64" dur="1000"/>
+                                        <p:tgtEl>
+                                          <p:spTgt spid="48"/>
+                                        </p:tgtEl>
+                                      </p:cBhvr>
+                                    </p:animEffect>
+                                    <p:anim calcmode="lin" valueType="num">
+                                      <p:cBhvr>
+                                        <p:cTn id="65" dur="1000" fill="hold"/>
+                                        <p:tgtEl>
+                                          <p:spTgt spid="48"/>
+                                        </p:tgtEl>
+                                        <p:attrNameLst>
+                                          <p:attrName>ppt_x</p:attrName>
+                                        </p:attrNameLst>
+                                      </p:cBhvr>
+                                      <p:tavLst>
+                                        <p:tav tm="0">
+                                          <p:val>
+                                            <p:strVal val="#ppt_x"/>
+                                          </p:val>
+                                        </p:tav>
+                                        <p:tav tm="100000">
+                                          <p:val>
+                                            <p:strVal val="#ppt_x"/>
+                                          </p:val>
+                                        </p:tav>
+                                      </p:tavLst>
+                                    </p:anim>
+                                    <p:anim calcmode="lin" valueType="num">
+                                      <p:cBhvr>
+                                        <p:cTn id="66" dur="1000" fill="hold"/>
+                                        <p:tgtEl>
+                                          <p:spTgt spid="48"/>
+                                        </p:tgtEl>
+                                        <p:attrNameLst>
+                                          <p:attrName>ppt_y</p:attrName>
+                                        </p:attrNameLst>
+                                      </p:cBhvr>
+                                      <p:tavLst>
+                                        <p:tav tm="0">
+                                          <p:val>
+                                            <p:strVal val="#ppt_y+.1"/>
+                                          </p:val>
+                                        </p:tav>
+                                        <p:tav tm="100000">
+                                          <p:val>
+                                            <p:strVal val="#ppt_y"/>
+                                          </p:val>
+                                        </p:tav>
+                                      </p:tavLst>
+                                    </p:anim>
+                                  </p:childTnLst>
+                                </p:cTn>
+                              </p:par>
+                              <p:par>
+                                <p:cTn id="67" presetID="42" presetClass="entr" presetSubtype="0" fill="hold" nodeType="withEffect">
+                                  <p:stCondLst>
+                                    <p:cond delay="3200"/>
+                                  </p:stCondLst>
+                                  <p:childTnLst>
+                                    <p:set>
+                                      <p:cBhvr>
+                                        <p:cTn id="68" dur="1" fill="hold">
+                                          <p:stCondLst>
+                                            <p:cond delay="0"/>
+                                          </p:stCondLst>
+                                        </p:cTn>
+                                        <p:tgtEl>
+                                          <p:spTgt spid="1034"/>
+                                        </p:tgtEl>
+                                        <p:attrNameLst>
+                                          <p:attrName>style.visibility</p:attrName>
+                                        </p:attrNameLst>
+                                      </p:cBhvr>
+                                      <p:to>
+                                        <p:strVal val="visible"/>
+                                      </p:to>
+                                    </p:set>
+                                    <p:animEffect transition="in" filter="fade">
+                                      <p:cBhvr>
+                                        <p:cTn id="69" dur="1000"/>
+                                        <p:tgtEl>
+                                          <p:spTgt spid="1034"/>
+                                        </p:tgtEl>
+                                      </p:cBhvr>
+                                    </p:animEffect>
+                                    <p:anim calcmode="lin" valueType="num">
+                                      <p:cBhvr>
+                                        <p:cTn id="70" dur="1000" fill="hold"/>
+                                        <p:tgtEl>
+                                          <p:spTgt spid="1034"/>
+                                        </p:tgtEl>
+                                        <p:attrNameLst>
+                                          <p:attrName>ppt_x</p:attrName>
+                                        </p:attrNameLst>
+                                      </p:cBhvr>
+                                      <p:tavLst>
+                                        <p:tav tm="0">
+                                          <p:val>
+                                            <p:strVal val="#ppt_x"/>
+                                          </p:val>
+                                        </p:tav>
+                                        <p:tav tm="100000">
+                                          <p:val>
+                                            <p:strVal val="#ppt_x"/>
+                                          </p:val>
+                                        </p:tav>
+                                      </p:tavLst>
+                                    </p:anim>
+                                    <p:anim calcmode="lin" valueType="num">
+                                      <p:cBhvr>
+                                        <p:cTn id="71" dur="1000" fill="hold"/>
+                                        <p:tgtEl>
+                                          <p:spTgt spid="1034"/>
+                                        </p:tgtEl>
+                                        <p:attrNameLst>
+                                          <p:attrName>ppt_y</p:attrName>
+                                        </p:attrNameLst>
+                                      </p:cBhvr>
+                                      <p:tavLst>
+                                        <p:tav tm="0">
+                                          <p:val>
+                                            <p:strVal val="#ppt_y+.1"/>
+                                          </p:val>
+                                        </p:tav>
+                                        <p:tav tm="100000">
+                                          <p:val>
+                                            <p:strVal val="#ppt_y"/>
+                                          </p:val>
+                                        </p:tav>
+                                      </p:tavLst>
+                                    </p:anim>
+                                  </p:childTnLst>
+                                </p:cTn>
+                              </p:par>
+                            </p:childTnLst>
+                          </p:cTn>
+                        </p:par>
+                      </p:childTnLst>
+                    </p:cTn>
+                  </p:par>
+                </p:childTnLst>
+              </p:cTn>
+              <p:prevCondLst>
+                <p:cond evt="onPrev" delay="0">
+                  <p:tgtEl>
+                    <p:sldTgt/>
+                  </p:tgtEl>
+                </p:cond>
+              </p:prevCondLst>
+              <p:nextCondLst>
+                <p:cond evt="onNext" delay="0">
+                  <p:tgtEl>
+                    <p:sldTgt/>
+                  </p:tgtEl>
+                </p:cond>
+              </p:nextCondLst>
+            </p:seq>
+          </p:childTnLst>
+        </p:cTn>
+      </p:par>
+    </p:tnLst>
+    <p:bldLst>
+      <p:bldP spid="25" grpId="0" animBg="1"/>
+      <p:bldP spid="40" grpId="0" animBg="1"/>
+      <p:bldP spid="48" grpId="0" animBg="1"/>
+      <p:bldP spid="34" grpId="0" animBg="1"/>
+      <p:bldP spid="50" grpId="0" animBg="1"/>
+    </p:bldLst>
+  </p:timing>
 </p:sld>
 </file>
 
@@ -3923,65 +6084,46 @@
           <a:chExt cx="0" cy="0"/>
         </a:xfrm>
       </p:grpSpPr>
-      <p:sp>
-        <p:nvSpPr>
-          <p:cNvPr id="2" name="Título 1">
+      <p:pic>
+        <p:nvPicPr>
+          <p:cNvPr id="38" name="Imagen 37">
             <a:extLst>
               <a:ext uri="{FF2B5EF4-FFF2-40B4-BE49-F238E27FC236}">
-                <a16:creationId xmlns:a16="http://schemas.microsoft.com/office/drawing/2014/main" id="{44B87243-2992-4AA1-B321-6E6C8FA9A02C}"/>
+                <a16:creationId xmlns:a16="http://schemas.microsoft.com/office/drawing/2014/main" id="{458E3254-AD03-4D91-B486-055F77EA8E52}"/>
               </a:ext>
             </a:extLst>
           </p:cNvPr>
-          <p:cNvSpPr>
-            <a:spLocks noGrp="1"/>
-          </p:cNvSpPr>
-          <p:nvPr>
-            <p:ph type="title"/>
-          </p:nvPr>
-        </p:nvSpPr>
+          <p:cNvPicPr>
+            <a:picLocks noChangeAspect="1"/>
+          </p:cNvPicPr>
+          <p:nvPr/>
+        </p:nvPicPr>
+        <p:blipFill>
+          <a:blip r:embed="rId2">
+            <a:extLst>
+              <a:ext uri="{28A0092B-C50C-407E-A947-70E740481C1C}">
+                <a14:useLocalDpi xmlns:a14="http://schemas.microsoft.com/office/drawing/2010/main" val="0"/>
+              </a:ext>
+            </a:extLst>
+          </a:blip>
+          <a:stretch>
+            <a:fillRect/>
+          </a:stretch>
+        </p:blipFill>
         <p:spPr>
           <a:xfrm>
-            <a:off x="1276184" y="157394"/>
-            <a:ext cx="10058400" cy="1450757"/>
+            <a:off x="2693090" y="-321534"/>
+            <a:ext cx="7474639" cy="7091324"/>
           </a:xfrm>
+          <a:prstGeom prst="rect">
+            <a:avLst/>
+          </a:prstGeom>
         </p:spPr>
-        <p:txBody>
-          <a:bodyPr/>
-          <a:lstStyle/>
-          <a:p>
-            <a:endParaRPr lang="en-GB" dirty="0"/>
-          </a:p>
-        </p:txBody>
-      </p:sp>
-      <p:sp>
-        <p:nvSpPr>
-          <p:cNvPr id="3" name="Marcador de contenido 2">
-            <a:extLst>
-              <a:ext uri="{FF2B5EF4-FFF2-40B4-BE49-F238E27FC236}">
-                <a16:creationId xmlns:a16="http://schemas.microsoft.com/office/drawing/2014/main" id="{6461AA97-2428-4A4A-ABBD-F439AABAFD7C}"/>
-              </a:ext>
-            </a:extLst>
-          </p:cNvPr>
-          <p:cNvSpPr>
-            <a:spLocks noGrp="1"/>
-          </p:cNvSpPr>
-          <p:nvPr>
-            <p:ph idx="1"/>
-          </p:nvPr>
-        </p:nvSpPr>
-        <p:spPr/>
-        <p:txBody>
-          <a:bodyPr/>
-          <a:lstStyle/>
-          <a:p>
-            <a:endParaRPr lang="en-GB"/>
-          </a:p>
-        </p:txBody>
-      </p:sp>
+      </p:pic>
     </p:spTree>
     <p:extLst>
       <p:ext uri="{BB962C8B-B14F-4D97-AF65-F5344CB8AC3E}">
-        <p14:creationId xmlns:p14="http://schemas.microsoft.com/office/powerpoint/2010/main" val="4053959358"/>
+        <p14:creationId xmlns:p14="http://schemas.microsoft.com/office/powerpoint/2010/main" val="292953723"/>
       </p:ext>
     </p:extLst>
   </p:cSld>
@@ -4010,10 +6152,10 @@
       </p:grpSpPr>
       <p:sp>
         <p:nvSpPr>
-          <p:cNvPr id="2" name="Título 1">
+          <p:cNvPr id="3" name="Marcador de contenido 2">
             <a:extLst>
               <a:ext uri="{FF2B5EF4-FFF2-40B4-BE49-F238E27FC236}">
-                <a16:creationId xmlns:a16="http://schemas.microsoft.com/office/drawing/2014/main" id="{3645F2B3-15F6-4AA5-828E-C28CFA448B46}"/>
+                <a16:creationId xmlns:a16="http://schemas.microsoft.com/office/drawing/2014/main" id="{716708CA-32AD-42C6-82E0-47F11D6D9200}"/>
               </a:ext>
             </a:extLst>
           </p:cNvPr>
@@ -4021,99 +6163,38 @@
             <a:spLocks noGrp="1"/>
           </p:cNvSpPr>
           <p:nvPr>
-            <p:ph type="title"/>
+            <p:ph idx="1"/>
           </p:nvPr>
         </p:nvSpPr>
         <p:spPr>
-          <a:xfrm>
-            <a:off x="-942976" y="688377"/>
-            <a:ext cx="10772775" cy="1658198"/>
+          <a:xfrm flipV="1">
+            <a:off x="5069752" y="3091071"/>
+            <a:ext cx="2106300" cy="709654"/>
           </a:xfrm>
         </p:spPr>
         <p:txBody>
-          <a:bodyPr/>
+          <a:bodyPr>
+            <a:normAutofit/>
+          </a:bodyPr>
           <a:lstStyle/>
           <a:p>
-            <a:endParaRPr lang="en-GB" dirty="0"/>
-          </a:p>
-        </p:txBody>
-      </p:sp>
-      <p:sp>
-        <p:nvSpPr>
-          <p:cNvPr id="3" name="Marcador de contenido 2">
-            <a:extLst>
-              <a:ext uri="{FF2B5EF4-FFF2-40B4-BE49-F238E27FC236}">
-                <a16:creationId xmlns:a16="http://schemas.microsoft.com/office/drawing/2014/main" id="{B130334F-58D7-4712-B59B-87AA90ED8CBA}"/>
-              </a:ext>
-            </a:extLst>
-          </p:cNvPr>
-          <p:cNvSpPr>
-            <a:spLocks noGrp="1"/>
-          </p:cNvSpPr>
-          <p:nvPr>
-            <p:ph idx="1"/>
-          </p:nvPr>
-        </p:nvSpPr>
-        <p:spPr/>
-        <p:txBody>
-          <a:bodyPr/>
-          <a:lstStyle/>
-          <a:p>
-            <a:endParaRPr lang="en-GB" dirty="0"/>
-          </a:p>
-        </p:txBody>
-      </p:sp>
-      <p:pic>
-        <p:nvPicPr>
-          <p:cNvPr id="2050" name="Picture 2">
-            <a:extLst>
-              <a:ext uri="{FF2B5EF4-FFF2-40B4-BE49-F238E27FC236}">
-                <a16:creationId xmlns:a16="http://schemas.microsoft.com/office/drawing/2014/main" id="{3450237B-609C-418F-AA16-7F0156EFDE56}"/>
-              </a:ext>
-            </a:extLst>
-          </p:cNvPr>
-          <p:cNvPicPr>
-            <a:picLocks noChangeAspect="1" noChangeArrowheads="1"/>
-          </p:cNvPicPr>
-          <p:nvPr/>
-        </p:nvPicPr>
-        <p:blipFill>
-          <a:blip r:embed="rId2">
-            <a:extLst>
-              <a:ext uri="{28A0092B-C50C-407E-A947-70E740481C1C}">
-                <a14:useLocalDpi xmlns:a14="http://schemas.microsoft.com/office/drawing/2010/main" val="0"/>
-              </a:ext>
-            </a:extLst>
-          </a:blip>
-          <a:srcRect/>
-          <a:stretch>
-            <a:fillRect/>
-          </a:stretch>
-        </p:blipFill>
-        <p:spPr bwMode="auto">
-          <a:xfrm>
-            <a:off x="1152525" y="703194"/>
-            <a:ext cx="6686550" cy="5829300"/>
-          </a:xfrm>
-          <a:prstGeom prst="rect">
-            <a:avLst/>
-          </a:prstGeom>
-          <a:noFill/>
-          <a:extLst>
-            <a:ext uri="{909E8E84-426E-40DD-AFC4-6F175D3DCCD1}">
-              <a14:hiddenFill xmlns:a14="http://schemas.microsoft.com/office/drawing/2010/main">
-                <a:solidFill>
-                  <a:srgbClr val="FFFFFF"/>
-                </a:solidFill>
-              </a14:hiddenFill>
-            </a:ext>
-          </a:extLst>
-        </p:spPr>
-      </p:pic>
+            <a:r>
+              <a:rPr lang="es-ES" dirty="0">
+                <a:latin typeface="Montserrat" panose="02000505000000020004" pitchFamily="2" charset="0"/>
+                <a:hlinkClick r:id="rId2"/>
+              </a:rPr>
+              <a:t>WMS Time</a:t>
+            </a:r>
+            <a:endParaRPr lang="en-GB" dirty="0">
+              <a:latin typeface="Montserrat" panose="02000505000000020004" pitchFamily="2" charset="0"/>
+            </a:endParaRPr>
+          </a:p>
+        </p:txBody>
+      </p:sp>
     </p:spTree>
     <p:extLst>
       <p:ext uri="{BB962C8B-B14F-4D97-AF65-F5344CB8AC3E}">
-        <p14:creationId xmlns:p14="http://schemas.microsoft.com/office/powerpoint/2010/main" val="292953723"/>
+        <p14:creationId xmlns:p14="http://schemas.microsoft.com/office/powerpoint/2010/main" val="1796131275"/>
       </p:ext>
     </p:extLst>
   </p:cSld>

--- a/Ironhack.pptx
+++ b/Ironhack.pptx
@@ -7,9 +7,12 @@
   <p:sldIdLst>
     <p:sldId id="256" r:id="rId2"/>
     <p:sldId id="257" r:id="rId3"/>
-    <p:sldId id="258" r:id="rId4"/>
-    <p:sldId id="260" r:id="rId5"/>
-    <p:sldId id="261" r:id="rId6"/>
+    <p:sldId id="262" r:id="rId4"/>
+    <p:sldId id="258" r:id="rId5"/>
+    <p:sldId id="264" r:id="rId6"/>
+    <p:sldId id="260" r:id="rId7"/>
+    <p:sldId id="261" r:id="rId8"/>
+    <p:sldId id="263" r:id="rId9"/>
   </p:sldIdLst>
   <p:sldSz cx="12192000" cy="6858000"/>
   <p:notesSz cx="6858000" cy="9144000"/>
@@ -3519,8 +3522,8 @@
         </p:blipFill>
         <p:spPr bwMode="auto">
           <a:xfrm>
-            <a:off x="3216165" y="1894489"/>
-            <a:ext cx="3970283" cy="3970283"/>
+            <a:off x="2270234" y="1747344"/>
+            <a:ext cx="4537842" cy="4537842"/>
           </a:xfrm>
           <a:prstGeom prst="rect">
             <a:avLst/>
@@ -3788,6 +3791,53 @@
           </a:extLst>
         </p:spPr>
       </p:pic>
+      <p:pic>
+        <p:nvPicPr>
+          <p:cNvPr id="3074" name="Picture 2" descr="Nicolas Cage detesta profundamente los memes con su cara">
+            <a:extLst>
+              <a:ext uri="{FF2B5EF4-FFF2-40B4-BE49-F238E27FC236}">
+                <a16:creationId xmlns:a16="http://schemas.microsoft.com/office/drawing/2014/main" id="{CFFDDB15-8B0F-449D-83A0-F349A8A8B999}"/>
+              </a:ext>
+            </a:extLst>
+          </p:cNvPr>
+          <p:cNvPicPr>
+            <a:picLocks noChangeAspect="1" noChangeArrowheads="1"/>
+          </p:cNvPicPr>
+          <p:nvPr/>
+        </p:nvPicPr>
+        <p:blipFill>
+          <a:blip r:embed="rId6">
+            <a:extLst>
+              <a:ext uri="{28A0092B-C50C-407E-A947-70E740481C1C}">
+                <a14:useLocalDpi xmlns:a14="http://schemas.microsoft.com/office/drawing/2010/main" val="0"/>
+              </a:ext>
+            </a:extLst>
+          </a:blip>
+          <a:srcRect/>
+          <a:stretch>
+            <a:fillRect/>
+          </a:stretch>
+        </p:blipFill>
+        <p:spPr bwMode="auto">
+          <a:xfrm>
+            <a:off x="2332654" y="1968760"/>
+            <a:ext cx="6820678" cy="4624914"/>
+          </a:xfrm>
+          <a:prstGeom prst="rect">
+            <a:avLst/>
+          </a:prstGeom>
+          <a:noFill/>
+          <a:extLst>
+            <a:ext uri="{909E8E84-426E-40DD-AFC4-6F175D3DCCD1}">
+              <a14:hiddenFill xmlns:a14="http://schemas.microsoft.com/office/drawing/2010/main">
+                <a:solidFill>
+                  <a:srgbClr val="FFFFFF"/>
+                </a:solidFill>
+              </a14:hiddenFill>
+            </a:ext>
+          </a:extLst>
+        </p:spPr>
+      </p:pic>
     </p:spTree>
     <p:extLst>
       <p:ext uri="{BB962C8B-B14F-4D97-AF65-F5344CB8AC3E}">
@@ -3911,7 +3961,7 @@
                               <p:par>
                                 <p:cTn id="13" presetID="1" presetClass="entr" presetSubtype="0" fill="hold" nodeType="clickEffect">
                                   <p:stCondLst>
-                                    <p:cond delay="1900"/>
+                                    <p:cond delay="1500"/>
                                   </p:stCondLst>
                                   <p:childTnLst>
                                     <p:set>
@@ -3956,7 +4006,7 @@
                               <p:par>
                                 <p:cTn id="17" presetID="1" presetClass="entr" presetSubtype="0" fill="hold" nodeType="clickEffect">
                                   <p:stCondLst>
-                                    <p:cond delay="2800"/>
+                                    <p:cond delay="2000"/>
                                   </p:stCondLst>
                                   <p:childTnLst>
                                     <p:set>
@@ -3968,6 +4018,51 @@
                                         </p:cTn>
                                         <p:tgtEl>
                                           <p:spTgt spid="2052"/>
+                                        </p:tgtEl>
+                                        <p:attrNameLst>
+                                          <p:attrName>style.visibility</p:attrName>
+                                        </p:attrNameLst>
+                                      </p:cBhvr>
+                                      <p:to>
+                                        <p:strVal val="visible"/>
+                                      </p:to>
+                                    </p:set>
+                                  </p:childTnLst>
+                                </p:cTn>
+                              </p:par>
+                            </p:childTnLst>
+                          </p:cTn>
+                        </p:par>
+                      </p:childTnLst>
+                    </p:cTn>
+                  </p:par>
+                  <p:par>
+                    <p:cTn id="19" fill="hold">
+                      <p:stCondLst>
+                        <p:cond delay="indefinite"/>
+                      </p:stCondLst>
+                      <p:childTnLst>
+                        <p:par>
+                          <p:cTn id="20" fill="hold">
+                            <p:stCondLst>
+                              <p:cond delay="0"/>
+                            </p:stCondLst>
+                            <p:childTnLst>
+                              <p:par>
+                                <p:cTn id="21" presetID="1" presetClass="entr" presetSubtype="0" fill="hold" nodeType="clickEffect">
+                                  <p:stCondLst>
+                                    <p:cond delay="2500"/>
+                                  </p:stCondLst>
+                                  <p:childTnLst>
+                                    <p:set>
+                                      <p:cBhvr>
+                                        <p:cTn id="22" dur="1" fill="hold">
+                                          <p:stCondLst>
+                                            <p:cond delay="0"/>
+                                          </p:stCondLst>
+                                        </p:cTn>
+                                        <p:tgtEl>
+                                          <p:spTgt spid="3074"/>
                                         </p:tgtEl>
                                         <p:attrNameLst>
                                           <p:attrName>style.visibility</p:attrName>
@@ -4030,6 +4125,248 @@
       </p:grpSpPr>
       <p:sp>
         <p:nvSpPr>
+          <p:cNvPr id="2" name="Título 1">
+            <a:extLst>
+              <a:ext uri="{FF2B5EF4-FFF2-40B4-BE49-F238E27FC236}">
+                <a16:creationId xmlns:a16="http://schemas.microsoft.com/office/drawing/2014/main" id="{78D6F3B4-DC56-4595-94C4-B9BA850DAA60}"/>
+              </a:ext>
+            </a:extLst>
+          </p:cNvPr>
+          <p:cNvSpPr>
+            <a:spLocks noGrp="1"/>
+          </p:cNvSpPr>
+          <p:nvPr>
+            <p:ph type="title"/>
+          </p:nvPr>
+        </p:nvSpPr>
+        <p:spPr/>
+        <p:txBody>
+          <a:bodyPr/>
+          <a:lstStyle/>
+          <a:p>
+            <a:r>
+              <a:rPr lang="es-ES" dirty="0">
+                <a:solidFill>
+                  <a:srgbClr val="002060"/>
+                </a:solidFill>
+                <a:latin typeface="Montserrat" panose="02000505000000020004" pitchFamily="2" charset="0"/>
+              </a:rPr>
+              <a:t>¿Objetivo?</a:t>
+            </a:r>
+            <a:endParaRPr lang="en-GB" dirty="0"/>
+          </a:p>
+        </p:txBody>
+      </p:sp>
+      <p:sp>
+        <p:nvSpPr>
+          <p:cNvPr id="3" name="Marcador de contenido 2">
+            <a:extLst>
+              <a:ext uri="{FF2B5EF4-FFF2-40B4-BE49-F238E27FC236}">
+                <a16:creationId xmlns:a16="http://schemas.microsoft.com/office/drawing/2014/main" id="{C4B616F3-64F2-4D8F-A358-4B28BA1FDD16}"/>
+              </a:ext>
+            </a:extLst>
+          </p:cNvPr>
+          <p:cNvSpPr>
+            <a:spLocks noGrp="1"/>
+          </p:cNvSpPr>
+          <p:nvPr>
+            <p:ph idx="1"/>
+          </p:nvPr>
+        </p:nvSpPr>
+        <p:spPr/>
+        <p:txBody>
+          <a:bodyPr/>
+          <a:lstStyle/>
+          <a:p>
+            <a:r>
+              <a:rPr lang="en-GB" dirty="0">
+                <a:latin typeface="Montserrat" panose="02000505000000020004" pitchFamily="2" charset="0"/>
+              </a:rPr>
+              <a:t>1. </a:t>
+            </a:r>
+            <a:r>
+              <a:rPr lang="en-GB" dirty="0" err="1">
+                <a:latin typeface="Montserrat" panose="02000505000000020004" pitchFamily="2" charset="0"/>
+              </a:rPr>
+              <a:t>Ayudar</a:t>
+            </a:r>
+            <a:r>
+              <a:rPr lang="en-GB" dirty="0">
+                <a:latin typeface="Montserrat" panose="02000505000000020004" pitchFamily="2" charset="0"/>
+              </a:rPr>
+              <a:t> a las personas no </a:t>
+            </a:r>
+            <a:r>
+              <a:rPr lang="en-GB" dirty="0" err="1">
+                <a:latin typeface="Montserrat" panose="02000505000000020004" pitchFamily="2" charset="0"/>
+              </a:rPr>
+              <a:t>científicas</a:t>
+            </a:r>
+            <a:r>
+              <a:rPr lang="en-GB" dirty="0">
+                <a:latin typeface="Montserrat" panose="02000505000000020004" pitchFamily="2" charset="0"/>
+              </a:rPr>
+              <a:t> a </a:t>
+            </a:r>
+            <a:r>
+              <a:rPr lang="en-GB" dirty="0" err="1">
+                <a:latin typeface="Montserrat" panose="02000505000000020004" pitchFamily="2" charset="0"/>
+              </a:rPr>
+              <a:t>poder</a:t>
+            </a:r>
+            <a:r>
+              <a:rPr lang="en-GB" dirty="0">
+                <a:latin typeface="Montserrat" panose="02000505000000020004" pitchFamily="2" charset="0"/>
+              </a:rPr>
+              <a:t> </a:t>
+            </a:r>
+            <a:r>
+              <a:rPr lang="en-GB" dirty="0" err="1">
+                <a:latin typeface="Montserrat" panose="02000505000000020004" pitchFamily="2" charset="0"/>
+              </a:rPr>
+              <a:t>tratar</a:t>
+            </a:r>
+            <a:r>
+              <a:rPr lang="en-GB" dirty="0">
+                <a:latin typeface="Montserrat" panose="02000505000000020004" pitchFamily="2" charset="0"/>
+              </a:rPr>
+              <a:t> </a:t>
+            </a:r>
+            <a:r>
+              <a:rPr lang="en-GB" dirty="0" err="1">
+                <a:latin typeface="Montserrat" panose="02000505000000020004" pitchFamily="2" charset="0"/>
+              </a:rPr>
+              <a:t>datos</a:t>
+            </a:r>
+            <a:r>
+              <a:rPr lang="en-GB" dirty="0">
+                <a:latin typeface="Montserrat" panose="02000505000000020004" pitchFamily="2" charset="0"/>
+              </a:rPr>
+              <a:t> </a:t>
+            </a:r>
+            <a:r>
+              <a:rPr lang="en-GB" dirty="0" err="1">
+                <a:latin typeface="Montserrat" panose="02000505000000020004" pitchFamily="2" charset="0"/>
+              </a:rPr>
+              <a:t>NetCDF</a:t>
+            </a:r>
+            <a:endParaRPr lang="en-GB" dirty="0">
+              <a:latin typeface="Montserrat" panose="02000505000000020004" pitchFamily="2" charset="0"/>
+            </a:endParaRPr>
+          </a:p>
+          <a:p>
+            <a:r>
+              <a:rPr lang="en-GB" dirty="0">
+                <a:latin typeface="Montserrat" panose="02000505000000020004" pitchFamily="2" charset="0"/>
+              </a:rPr>
+              <a:t>2. </a:t>
+            </a:r>
+            <a:r>
+              <a:rPr lang="en-GB" dirty="0" err="1">
+                <a:latin typeface="Montserrat" panose="02000505000000020004" pitchFamily="2" charset="0"/>
+              </a:rPr>
+              <a:t>Establecer</a:t>
+            </a:r>
+            <a:r>
+              <a:rPr lang="en-GB" dirty="0">
+                <a:latin typeface="Montserrat" panose="02000505000000020004" pitchFamily="2" charset="0"/>
+              </a:rPr>
+              <a:t> </a:t>
+            </a:r>
+            <a:r>
+              <a:rPr lang="en-GB" dirty="0" err="1">
+                <a:latin typeface="Montserrat" panose="02000505000000020004" pitchFamily="2" charset="0"/>
+              </a:rPr>
+              <a:t>infraestructura</a:t>
+            </a:r>
+            <a:r>
+              <a:rPr lang="en-GB" dirty="0">
+                <a:latin typeface="Montserrat" panose="02000505000000020004" pitchFamily="2" charset="0"/>
+              </a:rPr>
+              <a:t> Data – Backend - Frontend</a:t>
+            </a:r>
+          </a:p>
+        </p:txBody>
+      </p:sp>
+      <p:pic>
+        <p:nvPicPr>
+          <p:cNvPr id="1026" name="Picture 2" descr="NetCDF Files">
+            <a:extLst>
+              <a:ext uri="{FF2B5EF4-FFF2-40B4-BE49-F238E27FC236}">
+                <a16:creationId xmlns:a16="http://schemas.microsoft.com/office/drawing/2014/main" id="{835AE6AA-34A1-490F-8524-D2C865EF3F65}"/>
+              </a:ext>
+            </a:extLst>
+          </p:cNvPr>
+          <p:cNvPicPr>
+            <a:picLocks noChangeAspect="1" noChangeArrowheads="1"/>
+          </p:cNvPicPr>
+          <p:nvPr/>
+        </p:nvPicPr>
+        <p:blipFill>
+          <a:blip r:embed="rId2">
+            <a:extLst>
+              <a:ext uri="{28A0092B-C50C-407E-A947-70E740481C1C}">
+                <a14:useLocalDpi xmlns:a14="http://schemas.microsoft.com/office/drawing/2010/main" val="0"/>
+              </a:ext>
+            </a:extLst>
+          </a:blip>
+          <a:srcRect/>
+          <a:stretch>
+            <a:fillRect/>
+          </a:stretch>
+        </p:blipFill>
+        <p:spPr bwMode="auto">
+          <a:xfrm>
+            <a:off x="8034434" y="3342691"/>
+            <a:ext cx="3638161" cy="1559212"/>
+          </a:xfrm>
+          <a:prstGeom prst="rect">
+            <a:avLst/>
+          </a:prstGeom>
+          <a:noFill/>
+          <a:extLst>
+            <a:ext uri="{909E8E84-426E-40DD-AFC4-6F175D3DCCD1}">
+              <a14:hiddenFill xmlns:a14="http://schemas.microsoft.com/office/drawing/2010/main">
+                <a:solidFill>
+                  <a:srgbClr val="FFFFFF"/>
+                </a:solidFill>
+              </a14:hiddenFill>
+            </a:ext>
+          </a:extLst>
+        </p:spPr>
+      </p:pic>
+    </p:spTree>
+    <p:extLst>
+      <p:ext uri="{BB962C8B-B14F-4D97-AF65-F5344CB8AC3E}">
+        <p14:creationId xmlns:p14="http://schemas.microsoft.com/office/powerpoint/2010/main" val="1042834123"/>
+      </p:ext>
+    </p:extLst>
+  </p:cSld>
+  <p:clrMapOvr>
+    <a:masterClrMapping/>
+  </p:clrMapOvr>
+</p:sld>
+</file>
+
+<file path=ppt/slides/slide4.xml><?xml version="1.0" encoding="utf-8"?>
+<p:sld xmlns:a="http://schemas.openxmlformats.org/drawingml/2006/main" xmlns:r="http://schemas.openxmlformats.org/officeDocument/2006/relationships" xmlns:p="http://schemas.openxmlformats.org/presentationml/2006/main">
+  <p:cSld>
+    <p:spTree>
+      <p:nvGrpSpPr>
+        <p:cNvPr id="1" name=""/>
+        <p:cNvGrpSpPr/>
+        <p:nvPr/>
+      </p:nvGrpSpPr>
+      <p:grpSpPr>
+        <a:xfrm>
+          <a:off x="0" y="0"/>
+          <a:ext cx="0" cy="0"/>
+          <a:chOff x="0" y="0"/>
+          <a:chExt cx="0" cy="0"/>
+        </a:xfrm>
+      </p:grpSpPr>
+      <p:sp>
+        <p:nvSpPr>
           <p:cNvPr id="4" name="Título 1">
             <a:extLst>
               <a:ext uri="{FF2B5EF4-FFF2-40B4-BE49-F238E27FC236}">
@@ -4044,7 +4381,7 @@
         </p:nvSpPr>
         <p:spPr>
           <a:xfrm>
-            <a:off x="630720" y="453150"/>
+            <a:off x="462769" y="98586"/>
             <a:ext cx="10772775" cy="1658198"/>
           </a:xfrm>
           <a:prstGeom prst="rect">
@@ -6067,7 +6404,194 @@
 </p:sld>
 </file>
 
-<file path=ppt/slides/slide4.xml><?xml version="1.0" encoding="utf-8"?>
+<file path=ppt/slides/slide5.xml><?xml version="1.0" encoding="utf-8"?>
+<p:sld xmlns:a="http://schemas.openxmlformats.org/drawingml/2006/main" xmlns:r="http://schemas.openxmlformats.org/officeDocument/2006/relationships" xmlns:p="http://schemas.openxmlformats.org/presentationml/2006/main">
+  <p:cSld>
+    <p:spTree>
+      <p:nvGrpSpPr>
+        <p:cNvPr id="1" name=""/>
+        <p:cNvGrpSpPr/>
+        <p:nvPr/>
+      </p:nvGrpSpPr>
+      <p:grpSpPr>
+        <a:xfrm>
+          <a:off x="0" y="0"/>
+          <a:ext cx="0" cy="0"/>
+          <a:chOff x="0" y="0"/>
+          <a:chExt cx="0" cy="0"/>
+        </a:xfrm>
+      </p:grpSpPr>
+      <p:sp>
+        <p:nvSpPr>
+          <p:cNvPr id="3" name="Marcador de contenido 2">
+            <a:extLst>
+              <a:ext uri="{FF2B5EF4-FFF2-40B4-BE49-F238E27FC236}">
+                <a16:creationId xmlns:a16="http://schemas.microsoft.com/office/drawing/2014/main" id="{C028C114-EF3D-4A9A-BC04-70894C191515}"/>
+              </a:ext>
+            </a:extLst>
+          </p:cNvPr>
+          <p:cNvSpPr>
+            <a:spLocks noGrp="1"/>
+          </p:cNvSpPr>
+          <p:nvPr>
+            <p:ph idx="1"/>
+          </p:nvPr>
+        </p:nvSpPr>
+        <p:spPr>
+          <a:xfrm>
+            <a:off x="667327" y="2534194"/>
+            <a:ext cx="5089662" cy="3605349"/>
+          </a:xfrm>
+        </p:spPr>
+        <p:txBody>
+          <a:bodyPr/>
+          <a:lstStyle/>
+          <a:p>
+            <a:pPr>
+              <a:buFont typeface="Arial" panose="020B0604020202020204" pitchFamily="34" charset="0"/>
+              <a:buChar char="•"/>
+            </a:pPr>
+            <a:r>
+              <a:rPr lang="en-GB" dirty="0">
+                <a:latin typeface="Montserrat" panose="02000505000000020004" pitchFamily="2" charset="0"/>
+              </a:rPr>
+              <a:t> Replicable </a:t>
+            </a:r>
+          </a:p>
+          <a:p>
+            <a:pPr>
+              <a:buFont typeface="Arial" panose="020B0604020202020204" pitchFamily="34" charset="0"/>
+              <a:buChar char="•"/>
+            </a:pPr>
+            <a:r>
+              <a:rPr lang="en-GB" dirty="0">
+                <a:latin typeface="Montserrat" panose="02000505000000020004" pitchFamily="2" charset="0"/>
+              </a:rPr>
+              <a:t> </a:t>
+            </a:r>
+            <a:r>
+              <a:rPr lang="en-GB" dirty="0" err="1">
+                <a:latin typeface="Montserrat" panose="02000505000000020004" pitchFamily="2" charset="0"/>
+              </a:rPr>
+              <a:t>Escalable</a:t>
+            </a:r>
+            <a:r>
+              <a:rPr lang="en-GB" dirty="0">
+                <a:latin typeface="Montserrat" panose="02000505000000020004" pitchFamily="2" charset="0"/>
+              </a:rPr>
+              <a:t> </a:t>
+            </a:r>
+          </a:p>
+          <a:p>
+            <a:pPr>
+              <a:buFont typeface="Arial" panose="020B0604020202020204" pitchFamily="34" charset="0"/>
+              <a:buChar char="•"/>
+            </a:pPr>
+            <a:r>
+              <a:rPr lang="en-GB" dirty="0">
+                <a:latin typeface="Montserrat" panose="02000505000000020004" pitchFamily="2" charset="0"/>
+              </a:rPr>
+              <a:t> </a:t>
+            </a:r>
+            <a:r>
+              <a:rPr lang="en-GB" dirty="0" err="1">
+                <a:latin typeface="Montserrat" panose="02000505000000020004" pitchFamily="2" charset="0"/>
+              </a:rPr>
+              <a:t>Solución</a:t>
+            </a:r>
+            <a:r>
+              <a:rPr lang="en-GB" dirty="0">
+                <a:latin typeface="Montserrat" panose="02000505000000020004" pitchFamily="2" charset="0"/>
+              </a:rPr>
+              <a:t> global</a:t>
+            </a:r>
+          </a:p>
+          <a:p>
+            <a:pPr lvl="1">
+              <a:buFont typeface="Arial" panose="020B0604020202020204" pitchFamily="34" charset="0"/>
+              <a:buChar char="•"/>
+            </a:pPr>
+            <a:endParaRPr lang="en-GB" dirty="0">
+              <a:latin typeface="Montserrat" panose="02000505000000020004" pitchFamily="2" charset="0"/>
+            </a:endParaRPr>
+          </a:p>
+        </p:txBody>
+      </p:sp>
+      <p:sp>
+        <p:nvSpPr>
+          <p:cNvPr id="4" name="Título 1">
+            <a:extLst>
+              <a:ext uri="{FF2B5EF4-FFF2-40B4-BE49-F238E27FC236}">
+                <a16:creationId xmlns:a16="http://schemas.microsoft.com/office/drawing/2014/main" id="{49A179C2-D679-4D0C-939C-B55CD033E440}"/>
+              </a:ext>
+            </a:extLst>
+          </p:cNvPr>
+          <p:cNvSpPr txBox="1">
+            <a:spLocks noGrp="1"/>
+          </p:cNvSpPr>
+          <p:nvPr>
+            <p:ph type="title"/>
+          </p:nvPr>
+        </p:nvSpPr>
+        <p:spPr>
+          <a:xfrm>
+            <a:off x="657225" y="500063"/>
+            <a:ext cx="10772775" cy="1657350"/>
+          </a:xfrm>
+          <a:prstGeom prst="rect">
+            <a:avLst/>
+          </a:prstGeom>
+        </p:spPr>
+        <p:txBody>
+          <a:bodyPr vert="horz" lIns="91440" tIns="45720" rIns="91440" bIns="45720" rtlCol="0" anchor="ctr">
+            <a:normAutofit/>
+          </a:bodyPr>
+          <a:lstStyle>
+            <a:lvl1pPr algn="l" defTabSz="914400" rtl="0" eaLnBrk="1" latinLnBrk="0" hangingPunct="1">
+              <a:lnSpc>
+                <a:spcPct val="85000"/>
+              </a:lnSpc>
+              <a:spcBef>
+                <a:spcPct val="0"/>
+              </a:spcBef>
+              <a:buNone/>
+              <a:defRPr sz="5400" kern="1200" spc="-120" baseline="0">
+                <a:solidFill>
+                  <a:schemeClr val="accent1"/>
+                </a:solidFill>
+                <a:latin typeface="+mj-lt"/>
+                <a:ea typeface="+mj-ea"/>
+                <a:cs typeface="+mj-cs"/>
+              </a:defRPr>
+            </a:lvl1pPr>
+          </a:lstStyle>
+          <a:p>
+            <a:r>
+              <a:rPr lang="es-ES" dirty="0">
+                <a:solidFill>
+                  <a:srgbClr val="002060"/>
+                </a:solidFill>
+                <a:latin typeface="Montserrat" panose="02000505000000020004" pitchFamily="2" charset="0"/>
+              </a:rPr>
+              <a:t>Y.. ¿esto para qué?</a:t>
+            </a:r>
+          </a:p>
+        </p:txBody>
+      </p:sp>
+    </p:spTree>
+    <p:extLst>
+      <p:ext uri="{BB962C8B-B14F-4D97-AF65-F5344CB8AC3E}">
+        <p14:creationId xmlns:p14="http://schemas.microsoft.com/office/powerpoint/2010/main" val="3135197474"/>
+      </p:ext>
+    </p:extLst>
+  </p:cSld>
+  <p:clrMapOvr>
+    <a:masterClrMapping/>
+  </p:clrMapOvr>
+</p:sld>
+</file>
+
+<file path=ppt/slides/slide6.xml><?xml version="1.0" encoding="utf-8"?>
 <p:sld xmlns:a="http://schemas.openxmlformats.org/drawingml/2006/main" xmlns:r="http://schemas.openxmlformats.org/officeDocument/2006/relationships" xmlns:p="http://schemas.openxmlformats.org/presentationml/2006/main">
   <p:cSld>
     <p:spTree>
@@ -6133,7 +6657,7 @@
 </p:sld>
 </file>
 
-<file path=ppt/slides/slide5.xml><?xml version="1.0" encoding="utf-8"?>
+<file path=ppt/slides/slide7.xml><?xml version="1.0" encoding="utf-8"?>
 <p:sld xmlns:a="http://schemas.openxmlformats.org/drawingml/2006/main" xmlns:r="http://schemas.openxmlformats.org/officeDocument/2006/relationships" xmlns:p="http://schemas.openxmlformats.org/presentationml/2006/main">
   <p:cSld>
     <p:spTree>
@@ -6195,6 +6719,125 @@
     <p:extLst>
       <p:ext uri="{BB962C8B-B14F-4D97-AF65-F5344CB8AC3E}">
         <p14:creationId xmlns:p14="http://schemas.microsoft.com/office/powerpoint/2010/main" val="1796131275"/>
+      </p:ext>
+    </p:extLst>
+  </p:cSld>
+  <p:clrMapOvr>
+    <a:masterClrMapping/>
+  </p:clrMapOvr>
+</p:sld>
+</file>
+
+<file path=ppt/slides/slide8.xml><?xml version="1.0" encoding="utf-8"?>
+<p:sld xmlns:a="http://schemas.openxmlformats.org/drawingml/2006/main" xmlns:r="http://schemas.openxmlformats.org/officeDocument/2006/relationships" xmlns:p="http://schemas.openxmlformats.org/presentationml/2006/main">
+  <p:cSld>
+    <p:spTree>
+      <p:nvGrpSpPr>
+        <p:cNvPr id="1" name=""/>
+        <p:cNvGrpSpPr/>
+        <p:nvPr/>
+      </p:nvGrpSpPr>
+      <p:grpSpPr>
+        <a:xfrm>
+          <a:off x="0" y="0"/>
+          <a:ext cx="0" cy="0"/>
+          <a:chOff x="0" y="0"/>
+          <a:chExt cx="0" cy="0"/>
+        </a:xfrm>
+      </p:grpSpPr>
+      <p:pic>
+        <p:nvPicPr>
+          <p:cNvPr id="2050" name="Picture 2" descr="Película 2012 - crítica 2012">
+            <a:extLst>
+              <a:ext uri="{FF2B5EF4-FFF2-40B4-BE49-F238E27FC236}">
+                <a16:creationId xmlns:a16="http://schemas.microsoft.com/office/drawing/2014/main" id="{72477B22-75B8-4C0B-8108-7D2915CEA7D1}"/>
+              </a:ext>
+            </a:extLst>
+          </p:cNvPr>
+          <p:cNvPicPr>
+            <a:picLocks noGrp="1" noChangeAspect="1" noChangeArrowheads="1"/>
+          </p:cNvPicPr>
+          <p:nvPr>
+            <p:ph idx="1"/>
+          </p:nvPr>
+        </p:nvPicPr>
+        <p:blipFill>
+          <a:blip r:embed="rId2">
+            <a:extLst>
+              <a:ext uri="{28A0092B-C50C-407E-A947-70E740481C1C}">
+                <a14:useLocalDpi xmlns:a14="http://schemas.microsoft.com/office/drawing/2010/main" val="0"/>
+              </a:ext>
+            </a:extLst>
+          </a:blip>
+          <a:srcRect/>
+          <a:stretch>
+            <a:fillRect/>
+          </a:stretch>
+        </p:blipFill>
+        <p:spPr bwMode="auto">
+          <a:xfrm>
+            <a:off x="1319795" y="1584244"/>
+            <a:ext cx="9819724" cy="4909862"/>
+          </a:xfrm>
+          <a:prstGeom prst="rect">
+            <a:avLst/>
+          </a:prstGeom>
+          <a:noFill/>
+          <a:extLst>
+            <a:ext uri="{909E8E84-426E-40DD-AFC4-6F175D3DCCD1}">
+              <a14:hiddenFill xmlns:a14="http://schemas.microsoft.com/office/drawing/2010/main">
+                <a:solidFill>
+                  <a:srgbClr val="FFFFFF"/>
+                </a:solidFill>
+              </a14:hiddenFill>
+            </a:ext>
+          </a:extLst>
+        </p:spPr>
+      </p:pic>
+      <p:sp>
+        <p:nvSpPr>
+          <p:cNvPr id="6" name="CuadroTexto 5">
+            <a:extLst>
+              <a:ext uri="{FF2B5EF4-FFF2-40B4-BE49-F238E27FC236}">
+                <a16:creationId xmlns:a16="http://schemas.microsoft.com/office/drawing/2014/main" id="{822D4767-E63D-4140-8B59-A0CE9089A69A}"/>
+              </a:ext>
+            </a:extLst>
+          </p:cNvPr>
+          <p:cNvSpPr txBox="1"/>
+          <p:nvPr/>
+        </p:nvSpPr>
+        <p:spPr>
+          <a:xfrm>
+            <a:off x="4868247" y="650423"/>
+            <a:ext cx="2596243" cy="646331"/>
+          </a:xfrm>
+          <a:prstGeom prst="rect">
+            <a:avLst/>
+          </a:prstGeom>
+          <a:noFill/>
+        </p:spPr>
+        <p:txBody>
+          <a:bodyPr wrap="square">
+            <a:spAutoFit/>
+          </a:bodyPr>
+          <a:lstStyle/>
+          <a:p>
+            <a:r>
+              <a:rPr lang="es-ES" sz="3600" dirty="0">
+                <a:solidFill>
+                  <a:srgbClr val="002060"/>
+                </a:solidFill>
+                <a:latin typeface="Montserrat" panose="02000505000000020004" pitchFamily="2" charset="0"/>
+              </a:rPr>
+              <a:t>GRACIAS</a:t>
+            </a:r>
+          </a:p>
+        </p:txBody>
+      </p:sp>
+    </p:spTree>
+    <p:extLst>
+      <p:ext uri="{BB962C8B-B14F-4D97-AF65-F5344CB8AC3E}">
+        <p14:creationId xmlns:p14="http://schemas.microsoft.com/office/powerpoint/2010/main" val="3885637795"/>
       </p:ext>
     </p:extLst>
   </p:cSld>

--- a/Ironhack.pptx
+++ b/Ironhack.pptx
@@ -4,6 +4,9 @@
   <p:sldMasterIdLst>
     <p:sldMasterId id="2147483696" r:id="rId1"/>
   </p:sldMasterIdLst>
+  <p:notesMasterIdLst>
+    <p:notesMasterId r:id="rId10"/>
+  </p:notesMasterIdLst>
   <p:sldIdLst>
     <p:sldId id="256" r:id="rId2"/>
     <p:sldId id="257" r:id="rId3"/>
@@ -117,6 +120,480 @@
     </p:ext>
   </p:extLst>
 </p:presentation>
+</file>
+
+<file path=ppt/notesMasters/notesMaster1.xml><?xml version="1.0" encoding="utf-8"?>
+<p:notesMaster xmlns:a="http://schemas.openxmlformats.org/drawingml/2006/main" xmlns:r="http://schemas.openxmlformats.org/officeDocument/2006/relationships" xmlns:p="http://schemas.openxmlformats.org/presentationml/2006/main">
+  <p:cSld>
+    <p:bg>
+      <p:bgRef idx="1001">
+        <a:schemeClr val="bg1"/>
+      </p:bgRef>
+    </p:bg>
+    <p:spTree>
+      <p:nvGrpSpPr>
+        <p:cNvPr id="1" name=""/>
+        <p:cNvGrpSpPr/>
+        <p:nvPr/>
+      </p:nvGrpSpPr>
+      <p:grpSpPr>
+        <a:xfrm>
+          <a:off x="0" y="0"/>
+          <a:ext cx="0" cy="0"/>
+          <a:chOff x="0" y="0"/>
+          <a:chExt cx="0" cy="0"/>
+        </a:xfrm>
+      </p:grpSpPr>
+      <p:sp>
+        <p:nvSpPr>
+          <p:cNvPr id="2" name="Marcador de encabezado 1"/>
+          <p:cNvSpPr>
+            <a:spLocks noGrp="1"/>
+          </p:cNvSpPr>
+          <p:nvPr>
+            <p:ph type="hdr" sz="quarter"/>
+          </p:nvPr>
+        </p:nvSpPr>
+        <p:spPr>
+          <a:xfrm>
+            <a:off x="0" y="0"/>
+            <a:ext cx="2971800" cy="458788"/>
+          </a:xfrm>
+          <a:prstGeom prst="rect">
+            <a:avLst/>
+          </a:prstGeom>
+        </p:spPr>
+        <p:txBody>
+          <a:bodyPr vert="horz" lIns="91440" tIns="45720" rIns="91440" bIns="45720" rtlCol="0"/>
+          <a:lstStyle>
+            <a:lvl1pPr algn="l">
+              <a:defRPr sz="1200"/>
+            </a:lvl1pPr>
+          </a:lstStyle>
+          <a:p>
+            <a:endParaRPr lang="en-GB"/>
+          </a:p>
+        </p:txBody>
+      </p:sp>
+      <p:sp>
+        <p:nvSpPr>
+          <p:cNvPr id="3" name="Marcador de fecha 2"/>
+          <p:cNvSpPr>
+            <a:spLocks noGrp="1"/>
+          </p:cNvSpPr>
+          <p:nvPr>
+            <p:ph type="dt" idx="1"/>
+          </p:nvPr>
+        </p:nvSpPr>
+        <p:spPr>
+          <a:xfrm>
+            <a:off x="3884613" y="0"/>
+            <a:ext cx="2971800" cy="458788"/>
+          </a:xfrm>
+          <a:prstGeom prst="rect">
+            <a:avLst/>
+          </a:prstGeom>
+        </p:spPr>
+        <p:txBody>
+          <a:bodyPr vert="horz" lIns="91440" tIns="45720" rIns="91440" bIns="45720" rtlCol="0"/>
+          <a:lstStyle>
+            <a:lvl1pPr algn="r">
+              <a:defRPr sz="1200"/>
+            </a:lvl1pPr>
+          </a:lstStyle>
+          <a:p>
+            <a:fld id="{0445E826-7DB1-4407-8C98-B6F68AA6E43B}" type="datetimeFigureOut">
+              <a:rPr lang="en-GB" smtClean="0"/>
+              <a:t>29/07/2022</a:t>
+            </a:fld>
+            <a:endParaRPr lang="en-GB"/>
+          </a:p>
+        </p:txBody>
+      </p:sp>
+      <p:sp>
+        <p:nvSpPr>
+          <p:cNvPr id="4" name="Marcador de imagen de diapositiva 3"/>
+          <p:cNvSpPr>
+            <a:spLocks noGrp="1" noRot="1" noChangeAspect="1"/>
+          </p:cNvSpPr>
+          <p:nvPr>
+            <p:ph type="sldImg" idx="2"/>
+          </p:nvPr>
+        </p:nvSpPr>
+        <p:spPr>
+          <a:xfrm>
+            <a:off x="685800" y="1143000"/>
+            <a:ext cx="5486400" cy="3086100"/>
+          </a:xfrm>
+          <a:prstGeom prst="rect">
+            <a:avLst/>
+          </a:prstGeom>
+          <a:noFill/>
+          <a:ln w="12700">
+            <a:solidFill>
+              <a:prstClr val="black"/>
+            </a:solidFill>
+          </a:ln>
+        </p:spPr>
+        <p:txBody>
+          <a:bodyPr vert="horz" lIns="91440" tIns="45720" rIns="91440" bIns="45720" rtlCol="0" anchor="ctr"/>
+          <a:lstStyle/>
+          <a:p>
+            <a:endParaRPr lang="en-GB"/>
+          </a:p>
+        </p:txBody>
+      </p:sp>
+      <p:sp>
+        <p:nvSpPr>
+          <p:cNvPr id="5" name="Marcador de notas 4"/>
+          <p:cNvSpPr>
+            <a:spLocks noGrp="1"/>
+          </p:cNvSpPr>
+          <p:nvPr>
+            <p:ph type="body" sz="quarter" idx="3"/>
+          </p:nvPr>
+        </p:nvSpPr>
+        <p:spPr>
+          <a:xfrm>
+            <a:off x="685800" y="4400550"/>
+            <a:ext cx="5486400" cy="3600450"/>
+          </a:xfrm>
+          <a:prstGeom prst="rect">
+            <a:avLst/>
+          </a:prstGeom>
+        </p:spPr>
+        <p:txBody>
+          <a:bodyPr vert="horz" lIns="91440" tIns="45720" rIns="91440" bIns="45720" rtlCol="0"/>
+          <a:lstStyle/>
+          <a:p>
+            <a:pPr lvl="0"/>
+            <a:r>
+              <a:rPr lang="es-ES"/>
+              <a:t>Haga clic para modificar los estilos de texto del patrón</a:t>
+            </a:r>
+          </a:p>
+          <a:p>
+            <a:pPr lvl="1"/>
+            <a:r>
+              <a:rPr lang="es-ES"/>
+              <a:t>Segundo nivel</a:t>
+            </a:r>
+          </a:p>
+          <a:p>
+            <a:pPr lvl="2"/>
+            <a:r>
+              <a:rPr lang="es-ES"/>
+              <a:t>Tercer nivel</a:t>
+            </a:r>
+          </a:p>
+          <a:p>
+            <a:pPr lvl="3"/>
+            <a:r>
+              <a:rPr lang="es-ES"/>
+              <a:t>Cuarto nivel</a:t>
+            </a:r>
+          </a:p>
+          <a:p>
+            <a:pPr lvl="4"/>
+            <a:r>
+              <a:rPr lang="es-ES"/>
+              <a:t>Quinto nivel</a:t>
+            </a:r>
+            <a:endParaRPr lang="en-GB"/>
+          </a:p>
+        </p:txBody>
+      </p:sp>
+      <p:sp>
+        <p:nvSpPr>
+          <p:cNvPr id="6" name="Marcador de pie de página 5"/>
+          <p:cNvSpPr>
+            <a:spLocks noGrp="1"/>
+          </p:cNvSpPr>
+          <p:nvPr>
+            <p:ph type="ftr" sz="quarter" idx="4"/>
+          </p:nvPr>
+        </p:nvSpPr>
+        <p:spPr>
+          <a:xfrm>
+            <a:off x="0" y="8685213"/>
+            <a:ext cx="2971800" cy="458787"/>
+          </a:xfrm>
+          <a:prstGeom prst="rect">
+            <a:avLst/>
+          </a:prstGeom>
+        </p:spPr>
+        <p:txBody>
+          <a:bodyPr vert="horz" lIns="91440" tIns="45720" rIns="91440" bIns="45720" rtlCol="0" anchor="b"/>
+          <a:lstStyle>
+            <a:lvl1pPr algn="l">
+              <a:defRPr sz="1200"/>
+            </a:lvl1pPr>
+          </a:lstStyle>
+          <a:p>
+            <a:endParaRPr lang="en-GB"/>
+          </a:p>
+        </p:txBody>
+      </p:sp>
+      <p:sp>
+        <p:nvSpPr>
+          <p:cNvPr id="7" name="Marcador de número de diapositiva 6"/>
+          <p:cNvSpPr>
+            <a:spLocks noGrp="1"/>
+          </p:cNvSpPr>
+          <p:nvPr>
+            <p:ph type="sldNum" sz="quarter" idx="5"/>
+          </p:nvPr>
+        </p:nvSpPr>
+        <p:spPr>
+          <a:xfrm>
+            <a:off x="3884613" y="8685213"/>
+            <a:ext cx="2971800" cy="458787"/>
+          </a:xfrm>
+          <a:prstGeom prst="rect">
+            <a:avLst/>
+          </a:prstGeom>
+        </p:spPr>
+        <p:txBody>
+          <a:bodyPr vert="horz" lIns="91440" tIns="45720" rIns="91440" bIns="45720" rtlCol="0" anchor="b"/>
+          <a:lstStyle>
+            <a:lvl1pPr algn="r">
+              <a:defRPr sz="1200"/>
+            </a:lvl1pPr>
+          </a:lstStyle>
+          <a:p>
+            <a:fld id="{4D6F81D7-334A-4DC1-BA7F-980BAAFBFED7}" type="slidenum">
+              <a:rPr lang="en-GB" smtClean="0"/>
+              <a:t>‹Nº›</a:t>
+            </a:fld>
+            <a:endParaRPr lang="en-GB"/>
+          </a:p>
+        </p:txBody>
+      </p:sp>
+    </p:spTree>
+    <p:extLst>
+      <p:ext uri="{BB962C8B-B14F-4D97-AF65-F5344CB8AC3E}">
+        <p14:creationId xmlns:p14="http://schemas.microsoft.com/office/powerpoint/2010/main" val="646894015"/>
+      </p:ext>
+    </p:extLst>
+  </p:cSld>
+  <p:clrMap bg1="lt1" tx1="dk1" bg2="lt2" tx2="dk2" accent1="accent1" accent2="accent2" accent3="accent3" accent4="accent4" accent5="accent5" accent6="accent6" hlink="hlink" folHlink="folHlink"/>
+  <p:notesStyle>
+    <a:lvl1pPr marL="0" algn="l" defTabSz="914400" rtl="0" eaLnBrk="1" latinLnBrk="0" hangingPunct="1">
+      <a:defRPr sz="1200" kern="1200">
+        <a:solidFill>
+          <a:schemeClr val="tx1"/>
+        </a:solidFill>
+        <a:latin typeface="+mn-lt"/>
+        <a:ea typeface="+mn-ea"/>
+        <a:cs typeface="+mn-cs"/>
+      </a:defRPr>
+    </a:lvl1pPr>
+    <a:lvl2pPr marL="457200" algn="l" defTabSz="914400" rtl="0" eaLnBrk="1" latinLnBrk="0" hangingPunct="1">
+      <a:defRPr sz="1200" kern="1200">
+        <a:solidFill>
+          <a:schemeClr val="tx1"/>
+        </a:solidFill>
+        <a:latin typeface="+mn-lt"/>
+        <a:ea typeface="+mn-ea"/>
+        <a:cs typeface="+mn-cs"/>
+      </a:defRPr>
+    </a:lvl2pPr>
+    <a:lvl3pPr marL="914400" algn="l" defTabSz="914400" rtl="0" eaLnBrk="1" latinLnBrk="0" hangingPunct="1">
+      <a:defRPr sz="1200" kern="1200">
+        <a:solidFill>
+          <a:schemeClr val="tx1"/>
+        </a:solidFill>
+        <a:latin typeface="+mn-lt"/>
+        <a:ea typeface="+mn-ea"/>
+        <a:cs typeface="+mn-cs"/>
+      </a:defRPr>
+    </a:lvl3pPr>
+    <a:lvl4pPr marL="1371600" algn="l" defTabSz="914400" rtl="0" eaLnBrk="1" latinLnBrk="0" hangingPunct="1">
+      <a:defRPr sz="1200" kern="1200">
+        <a:solidFill>
+          <a:schemeClr val="tx1"/>
+        </a:solidFill>
+        <a:latin typeface="+mn-lt"/>
+        <a:ea typeface="+mn-ea"/>
+        <a:cs typeface="+mn-cs"/>
+      </a:defRPr>
+    </a:lvl4pPr>
+    <a:lvl5pPr marL="1828800" algn="l" defTabSz="914400" rtl="0" eaLnBrk="1" latinLnBrk="0" hangingPunct="1">
+      <a:defRPr sz="1200" kern="1200">
+        <a:solidFill>
+          <a:schemeClr val="tx1"/>
+        </a:solidFill>
+        <a:latin typeface="+mn-lt"/>
+        <a:ea typeface="+mn-ea"/>
+        <a:cs typeface="+mn-cs"/>
+      </a:defRPr>
+    </a:lvl5pPr>
+    <a:lvl6pPr marL="2286000" algn="l" defTabSz="914400" rtl="0" eaLnBrk="1" latinLnBrk="0" hangingPunct="1">
+      <a:defRPr sz="1200" kern="1200">
+        <a:solidFill>
+          <a:schemeClr val="tx1"/>
+        </a:solidFill>
+        <a:latin typeface="+mn-lt"/>
+        <a:ea typeface="+mn-ea"/>
+        <a:cs typeface="+mn-cs"/>
+      </a:defRPr>
+    </a:lvl6pPr>
+    <a:lvl7pPr marL="2743200" algn="l" defTabSz="914400" rtl="0" eaLnBrk="1" latinLnBrk="0" hangingPunct="1">
+      <a:defRPr sz="1200" kern="1200">
+        <a:solidFill>
+          <a:schemeClr val="tx1"/>
+        </a:solidFill>
+        <a:latin typeface="+mn-lt"/>
+        <a:ea typeface="+mn-ea"/>
+        <a:cs typeface="+mn-cs"/>
+      </a:defRPr>
+    </a:lvl7pPr>
+    <a:lvl8pPr marL="3200400" algn="l" defTabSz="914400" rtl="0" eaLnBrk="1" latinLnBrk="0" hangingPunct="1">
+      <a:defRPr sz="1200" kern="1200">
+        <a:solidFill>
+          <a:schemeClr val="tx1"/>
+        </a:solidFill>
+        <a:latin typeface="+mn-lt"/>
+        <a:ea typeface="+mn-ea"/>
+        <a:cs typeface="+mn-cs"/>
+      </a:defRPr>
+    </a:lvl8pPr>
+    <a:lvl9pPr marL="3657600" algn="l" defTabSz="914400" rtl="0" eaLnBrk="1" latinLnBrk="0" hangingPunct="1">
+      <a:defRPr sz="1200" kern="1200">
+        <a:solidFill>
+          <a:schemeClr val="tx1"/>
+        </a:solidFill>
+        <a:latin typeface="+mn-lt"/>
+        <a:ea typeface="+mn-ea"/>
+        <a:cs typeface="+mn-cs"/>
+      </a:defRPr>
+    </a:lvl9pPr>
+  </p:notesStyle>
+</p:notesMaster>
+</file>
+
+<file path=ppt/notesSlides/notesSlide1.xml><?xml version="1.0" encoding="utf-8"?>
+<p:notes xmlns:a="http://schemas.openxmlformats.org/drawingml/2006/main" xmlns:r="http://schemas.openxmlformats.org/officeDocument/2006/relationships" xmlns:p="http://schemas.openxmlformats.org/presentationml/2006/main">
+  <p:cSld>
+    <p:spTree>
+      <p:nvGrpSpPr>
+        <p:cNvPr id="1" name=""/>
+        <p:cNvGrpSpPr/>
+        <p:nvPr/>
+      </p:nvGrpSpPr>
+      <p:grpSpPr>
+        <a:xfrm>
+          <a:off x="0" y="0"/>
+          <a:ext cx="0" cy="0"/>
+          <a:chOff x="0" y="0"/>
+          <a:chExt cx="0" cy="0"/>
+        </a:xfrm>
+      </p:grpSpPr>
+      <p:sp>
+        <p:nvSpPr>
+          <p:cNvPr id="2" name="Marcador de imagen de diapositiva 1"/>
+          <p:cNvSpPr>
+            <a:spLocks noGrp="1" noRot="1" noChangeAspect="1"/>
+          </p:cNvSpPr>
+          <p:nvPr>
+            <p:ph type="sldImg"/>
+          </p:nvPr>
+        </p:nvSpPr>
+        <p:spPr/>
+      </p:sp>
+      <p:sp>
+        <p:nvSpPr>
+          <p:cNvPr id="3" name="Marcador de notas 2"/>
+          <p:cNvSpPr>
+            <a:spLocks noGrp="1"/>
+          </p:cNvSpPr>
+          <p:nvPr>
+            <p:ph type="body" idx="1"/>
+          </p:nvPr>
+        </p:nvSpPr>
+        <p:spPr/>
+        <p:txBody>
+          <a:bodyPr/>
+          <a:lstStyle/>
+          <a:p>
+            <a:r>
+              <a:rPr lang="es-ES" b="1" i="0" dirty="0">
+                <a:solidFill>
+                  <a:srgbClr val="202122"/>
+                </a:solidFill>
+                <a:effectLst/>
+                <a:latin typeface="Arial" panose="020B0604020202020204" pitchFamily="34" charset="0"/>
+              </a:rPr>
+              <a:t>Proyecto de </a:t>
+            </a:r>
+            <a:r>
+              <a:rPr lang="es-ES" b="1" i="0" dirty="0" err="1">
+                <a:solidFill>
+                  <a:srgbClr val="202122"/>
+                </a:solidFill>
+                <a:effectLst/>
+                <a:latin typeface="Arial" panose="020B0604020202020204" pitchFamily="34" charset="0"/>
+              </a:rPr>
+              <a:t>inter-comparación</a:t>
+            </a:r>
+            <a:r>
+              <a:rPr lang="es-ES" b="1" i="0">
+                <a:solidFill>
+                  <a:srgbClr val="202122"/>
+                </a:solidFill>
+                <a:effectLst/>
+                <a:latin typeface="Arial" panose="020B0604020202020204" pitchFamily="34" charset="0"/>
+              </a:rPr>
+              <a:t> de modelos de clima acoplados  </a:t>
+            </a:r>
+            <a:r>
+              <a:rPr lang="es-ES" b="0" i="0">
+                <a:solidFill>
+                  <a:srgbClr val="202122"/>
+                </a:solidFill>
+                <a:effectLst/>
+                <a:latin typeface="Arial" panose="020B0604020202020204" pitchFamily="34" charset="0"/>
+              </a:rPr>
+              <a:t> sexto informe del IPCC es 2020</a:t>
+            </a:r>
+            <a:endParaRPr lang="en-GB"/>
+          </a:p>
+        </p:txBody>
+      </p:sp>
+      <p:sp>
+        <p:nvSpPr>
+          <p:cNvPr id="4" name="Marcador de número de diapositiva 3"/>
+          <p:cNvSpPr>
+            <a:spLocks noGrp="1"/>
+          </p:cNvSpPr>
+          <p:nvPr>
+            <p:ph type="sldNum" sz="quarter" idx="5"/>
+          </p:nvPr>
+        </p:nvSpPr>
+        <p:spPr/>
+        <p:txBody>
+          <a:bodyPr/>
+          <a:lstStyle/>
+          <a:p>
+            <a:fld id="{4D6F81D7-334A-4DC1-BA7F-980BAAFBFED7}" type="slidenum">
+              <a:rPr lang="en-GB" smtClean="0"/>
+              <a:t>3</a:t>
+            </a:fld>
+            <a:endParaRPr lang="en-GB"/>
+          </a:p>
+        </p:txBody>
+      </p:sp>
+    </p:spTree>
+    <p:extLst>
+      <p:ext uri="{BB962C8B-B14F-4D97-AF65-F5344CB8AC3E}">
+        <p14:creationId xmlns:p14="http://schemas.microsoft.com/office/powerpoint/2010/main" val="4243487258"/>
+      </p:ext>
+    </p:extLst>
+  </p:cSld>
+  <p:clrMapOvr>
+    <a:masterClrMapping/>
+  </p:clrMapOvr>
+</p:notes>
 </file>
 
 <file path=ppt/slideLayouts/slideLayout1.xml><?xml version="1.0" encoding="utf-8"?>
@@ -4303,7 +4780,7 @@
           <p:nvPr/>
         </p:nvPicPr>
         <p:blipFill>
-          <a:blip r:embed="rId2">
+          <a:blip r:embed="rId3">
             <a:extLst>
               <a:ext uri="{28A0092B-C50C-407E-A947-70E740481C1C}">
                 <a14:useLocalDpi xmlns:a14="http://schemas.microsoft.com/office/drawing/2010/main" val="0"/>
@@ -4335,6 +4812,70 @@
           </a:extLst>
         </p:spPr>
       </p:pic>
+      <p:sp>
+        <p:nvSpPr>
+          <p:cNvPr id="4" name="CuadroTexto 3">
+            <a:extLst>
+              <a:ext uri="{FF2B5EF4-FFF2-40B4-BE49-F238E27FC236}">
+                <a16:creationId xmlns:a16="http://schemas.microsoft.com/office/drawing/2014/main" id="{FD4D7C76-C1DB-417E-9738-A3288F4089A2}"/>
+              </a:ext>
+            </a:extLst>
+          </p:cNvPr>
+          <p:cNvSpPr txBox="1"/>
+          <p:nvPr/>
+        </p:nvSpPr>
+        <p:spPr>
+          <a:xfrm>
+            <a:off x="485192" y="5766318"/>
+            <a:ext cx="4861249" cy="954107"/>
+          </a:xfrm>
+          <a:prstGeom prst="rect">
+            <a:avLst/>
+          </a:prstGeom>
+          <a:noFill/>
+        </p:spPr>
+        <p:txBody>
+          <a:bodyPr wrap="square" rtlCol="0">
+            <a:spAutoFit/>
+          </a:bodyPr>
+          <a:lstStyle/>
+          <a:p>
+            <a:r>
+              <a:rPr lang="en-GB" sz="1400" b="1" i="1" dirty="0">
+                <a:solidFill>
+                  <a:srgbClr val="FF0000"/>
+                </a:solidFill>
+                <a:latin typeface="Montserrat" panose="02000505000000020004" pitchFamily="2" charset="0"/>
+              </a:rPr>
+              <a:t>DEMO</a:t>
+            </a:r>
+            <a:r>
+              <a:rPr lang="en-GB" sz="1400" i="1" dirty="0">
+                <a:latin typeface="Montserrat" panose="02000505000000020004" pitchFamily="2" charset="0"/>
+              </a:rPr>
+              <a:t> : </a:t>
+            </a:r>
+            <a:r>
+              <a:rPr lang="en-US" sz="1400" b="1" i="1" dirty="0">
+                <a:solidFill>
+                  <a:srgbClr val="333333"/>
+                </a:solidFill>
+                <a:effectLst/>
+                <a:latin typeface="Montserrat" panose="02000505000000020004" pitchFamily="2" charset="0"/>
+              </a:rPr>
+              <a:t>Global sea level change time series from 1950 to 2050 derived from reanalysis and high resolution CMIP6 climate projections</a:t>
+            </a:r>
+          </a:p>
+          <a:p>
+            <a:r>
+              <a:rPr lang="en-GB" sz="1400" i="1" dirty="0">
+                <a:latin typeface="Montserrat" panose="02000505000000020004" pitchFamily="2" charset="0"/>
+              </a:rPr>
+              <a:t> </a:t>
+            </a:r>
+          </a:p>
+        </p:txBody>
+      </p:sp>
     </p:spTree>
     <p:extLst>
       <p:ext uri="{BB962C8B-B14F-4D97-AF65-F5344CB8AC3E}">
@@ -6644,6 +7185,53 @@
           </a:prstGeom>
         </p:spPr>
       </p:pic>
+      <p:pic>
+        <p:nvPicPr>
+          <p:cNvPr id="3" name="Picture 2" descr="sea level highlights">
+            <a:extLst>
+              <a:ext uri="{FF2B5EF4-FFF2-40B4-BE49-F238E27FC236}">
+                <a16:creationId xmlns:a16="http://schemas.microsoft.com/office/drawing/2014/main" id="{453E98EA-0297-47BE-B27E-7B7707418608}"/>
+              </a:ext>
+            </a:extLst>
+          </p:cNvPr>
+          <p:cNvPicPr>
+            <a:picLocks noChangeAspect="1" noChangeArrowheads="1"/>
+          </p:cNvPicPr>
+          <p:nvPr/>
+        </p:nvPicPr>
+        <p:blipFill>
+          <a:blip r:embed="rId3">
+            <a:extLst>
+              <a:ext uri="{28A0092B-C50C-407E-A947-70E740481C1C}">
+                <a14:useLocalDpi xmlns:a14="http://schemas.microsoft.com/office/drawing/2010/main" val="0"/>
+              </a:ext>
+            </a:extLst>
+          </a:blip>
+          <a:srcRect/>
+          <a:stretch>
+            <a:fillRect/>
+          </a:stretch>
+        </p:blipFill>
+        <p:spPr bwMode="auto">
+          <a:xfrm>
+            <a:off x="255426" y="3826911"/>
+            <a:ext cx="1778746" cy="1920746"/>
+          </a:xfrm>
+          <a:prstGeom prst="rect">
+            <a:avLst/>
+          </a:prstGeom>
+          <a:noFill/>
+          <a:extLst>
+            <a:ext uri="{909E8E84-426E-40DD-AFC4-6F175D3DCCD1}">
+              <a14:hiddenFill xmlns:a14="http://schemas.microsoft.com/office/drawing/2010/main">
+                <a:solidFill>
+                  <a:srgbClr val="FFFFFF"/>
+                </a:solidFill>
+              </a14:hiddenFill>
+            </a:ext>
+          </a:extLst>
+        </p:spPr>
+      </p:pic>
     </p:spTree>
     <p:extLst>
       <p:ext uri="{BB962C8B-B14F-4D97-AF65-F5344CB8AC3E}">
@@ -7082,4 +7670,299 @@
     </a:ext>
   </a:extLst>
 </a:theme>
+</file>
+
+<file path=ppt/theme/theme2.xml><?xml version="1.0" encoding="utf-8"?>
+<a:theme xmlns:a="http://schemas.openxmlformats.org/drawingml/2006/main" name="Tema de Office">
+  <a:themeElements>
+    <a:clrScheme name="Office">
+      <a:dk1>
+        <a:sysClr val="windowText" lastClr="000000"/>
+      </a:dk1>
+      <a:lt1>
+        <a:sysClr val="window" lastClr="FFFFFF"/>
+      </a:lt1>
+      <a:dk2>
+        <a:srgbClr val="44546A"/>
+      </a:dk2>
+      <a:lt2>
+        <a:srgbClr val="E7E6E6"/>
+      </a:lt2>
+      <a:accent1>
+        <a:srgbClr val="4472C4"/>
+      </a:accent1>
+      <a:accent2>
+        <a:srgbClr val="ED7D31"/>
+      </a:accent2>
+      <a:accent3>
+        <a:srgbClr val="A5A5A5"/>
+      </a:accent3>
+      <a:accent4>
+        <a:srgbClr val="FFC000"/>
+      </a:accent4>
+      <a:accent5>
+        <a:srgbClr val="5B9BD5"/>
+      </a:accent5>
+      <a:accent6>
+        <a:srgbClr val="70AD47"/>
+      </a:accent6>
+      <a:hlink>
+        <a:srgbClr val="0563C1"/>
+      </a:hlink>
+      <a:folHlink>
+        <a:srgbClr val="954F72"/>
+      </a:folHlink>
+    </a:clrScheme>
+    <a:fontScheme name="Office">
+      <a:majorFont>
+        <a:latin typeface="Calibri Light" panose="020F0302020204030204"/>
+        <a:ea typeface=""/>
+        <a:cs typeface=""/>
+        <a:font script="Jpan" typeface="游ゴシック Light"/>
+        <a:font script="Hang" typeface="맑은 고딕"/>
+        <a:font script="Hans" typeface="等线 Light"/>
+        <a:font script="Hant" typeface="新細明體"/>
+        <a:font script="Arab" typeface="Times New Roman"/>
+        <a:font script="Hebr" typeface="Times New Roman"/>
+        <a:font script="Thai" typeface="Angsana New"/>
+        <a:font script="Ethi" typeface="Nyala"/>
+        <a:font script="Beng" typeface="Vrinda"/>
+        <a:font script="Gujr" typeface="Shruti"/>
+        <a:font script="Khmr" typeface="MoolBoran"/>
+        <a:font script="Knda" typeface="Tunga"/>
+        <a:font script="Guru" typeface="Raavi"/>
+        <a:font script="Cans" typeface="Euphemia"/>
+        <a:font script="Cher" typeface="Plantagenet Cherokee"/>
+        <a:font script="Yiii" typeface="Microsoft Yi Baiti"/>
+        <a:font script="Tibt" typeface="Microsoft Himalaya"/>
+        <a:font script="Thaa" typeface="MV Boli"/>
+        <a:font script="Deva" typeface="Mangal"/>
+        <a:font script="Telu" typeface="Gautami"/>
+        <a:font script="Taml" typeface="Latha"/>
+        <a:font script="Syrc" typeface="Estrangelo Edessa"/>
+        <a:font script="Orya" typeface="Kalinga"/>
+        <a:font script="Mlym" typeface="Kartika"/>
+        <a:font script="Laoo" typeface="DokChampa"/>
+        <a:font script="Sinh" typeface="Iskoola Pota"/>
+        <a:font script="Mong" typeface="Mongolian Baiti"/>
+        <a:font script="Viet" typeface="Times New Roman"/>
+        <a:font script="Uigh" typeface="Microsoft Uighur"/>
+        <a:font script="Geor" typeface="Sylfaen"/>
+        <a:font script="Armn" typeface="Arial"/>
+        <a:font script="Bugi" typeface="Leelawadee UI"/>
+        <a:font script="Bopo" typeface="Microsoft JhengHei"/>
+        <a:font script="Java" typeface="Javanese Text"/>
+        <a:font script="Lisu" typeface="Segoe UI"/>
+        <a:font script="Mymr" typeface="Myanmar Text"/>
+        <a:font script="Nkoo" typeface="Ebrima"/>
+        <a:font script="Olck" typeface="Nirmala UI"/>
+        <a:font script="Osma" typeface="Ebrima"/>
+        <a:font script="Phag" typeface="Phagspa"/>
+        <a:font script="Syrn" typeface="Estrangelo Edessa"/>
+        <a:font script="Syrj" typeface="Estrangelo Edessa"/>
+        <a:font script="Syre" typeface="Estrangelo Edessa"/>
+        <a:font script="Sora" typeface="Nirmala UI"/>
+        <a:font script="Tale" typeface="Microsoft Tai Le"/>
+        <a:font script="Talu" typeface="Microsoft New Tai Lue"/>
+        <a:font script="Tfng" typeface="Ebrima"/>
+      </a:majorFont>
+      <a:minorFont>
+        <a:latin typeface="Calibri" panose="020F0502020204030204"/>
+        <a:ea typeface=""/>
+        <a:cs typeface=""/>
+        <a:font script="Jpan" typeface="游ゴシック"/>
+        <a:font script="Hang" typeface="맑은 고딕"/>
+        <a:font script="Hans" typeface="等线"/>
+        <a:font script="Hant" typeface="新細明體"/>
+        <a:font script="Arab" typeface="Arial"/>
+        <a:font script="Hebr" typeface="Arial"/>
+        <a:font script="Thai" typeface="Cordia New"/>
+        <a:font script="Ethi" typeface="Nyala"/>
+        <a:font script="Beng" typeface="Vrinda"/>
+        <a:font script="Gujr" typeface="Shruti"/>
+        <a:font script="Khmr" typeface="DaunPenh"/>
+        <a:font script="Knda" typeface="Tunga"/>
+        <a:font script="Guru" typeface="Raavi"/>
+        <a:font script="Cans" typeface="Euphemia"/>
+        <a:font script="Cher" typeface="Plantagenet Cherokee"/>
+        <a:font script="Yiii" typeface="Microsoft Yi Baiti"/>
+        <a:font script="Tibt" typeface="Microsoft Himalaya"/>
+        <a:font script="Thaa" typeface="MV Boli"/>
+        <a:font script="Deva" typeface="Mangal"/>
+        <a:font script="Telu" typeface="Gautami"/>
+        <a:font script="Taml" typeface="Latha"/>
+        <a:font script="Syrc" typeface="Estrangelo Edessa"/>
+        <a:font script="Orya" typeface="Kalinga"/>
+        <a:font script="Mlym" typeface="Kartika"/>
+        <a:font script="Laoo" typeface="DokChampa"/>
+        <a:font script="Sinh" typeface="Iskoola Pota"/>
+        <a:font script="Mong" typeface="Mongolian Baiti"/>
+        <a:font script="Viet" typeface="Arial"/>
+        <a:font script="Uigh" typeface="Microsoft Uighur"/>
+        <a:font script="Geor" typeface="Sylfaen"/>
+        <a:font script="Armn" typeface="Arial"/>
+        <a:font script="Bugi" typeface="Leelawadee UI"/>
+        <a:font script="Bopo" typeface="Microsoft JhengHei"/>
+        <a:font script="Java" typeface="Javanese Text"/>
+        <a:font script="Lisu" typeface="Segoe UI"/>
+        <a:font script="Mymr" typeface="Myanmar Text"/>
+        <a:font script="Nkoo" typeface="Ebrima"/>
+        <a:font script="Olck" typeface="Nirmala UI"/>
+        <a:font script="Osma" typeface="Ebrima"/>
+        <a:font script="Phag" typeface="Phagspa"/>
+        <a:font script="Syrn" typeface="Estrangelo Edessa"/>
+        <a:font script="Syrj" typeface="Estrangelo Edessa"/>
+        <a:font script="Syre" typeface="Estrangelo Edessa"/>
+        <a:font script="Sora" typeface="Nirmala UI"/>
+        <a:font script="Tale" typeface="Microsoft Tai Le"/>
+        <a:font script="Talu" typeface="Microsoft New Tai Lue"/>
+        <a:font script="Tfng" typeface="Ebrima"/>
+      </a:minorFont>
+    </a:fontScheme>
+    <a:fmtScheme name="Office">
+      <a:fillStyleLst>
+        <a:solidFill>
+          <a:schemeClr val="phClr"/>
+        </a:solidFill>
+        <a:gradFill rotWithShape="1">
+          <a:gsLst>
+            <a:gs pos="0">
+              <a:schemeClr val="phClr">
+                <a:lumMod val="110000"/>
+                <a:satMod val="105000"/>
+                <a:tint val="67000"/>
+              </a:schemeClr>
+            </a:gs>
+            <a:gs pos="50000">
+              <a:schemeClr val="phClr">
+                <a:lumMod val="105000"/>
+                <a:satMod val="103000"/>
+                <a:tint val="73000"/>
+              </a:schemeClr>
+            </a:gs>
+            <a:gs pos="100000">
+              <a:schemeClr val="phClr">
+                <a:lumMod val="105000"/>
+                <a:satMod val="109000"/>
+                <a:tint val="81000"/>
+              </a:schemeClr>
+            </a:gs>
+          </a:gsLst>
+          <a:lin ang="5400000" scaled="0"/>
+        </a:gradFill>
+        <a:gradFill rotWithShape="1">
+          <a:gsLst>
+            <a:gs pos="0">
+              <a:schemeClr val="phClr">
+                <a:satMod val="103000"/>
+                <a:lumMod val="102000"/>
+                <a:tint val="94000"/>
+              </a:schemeClr>
+            </a:gs>
+            <a:gs pos="50000">
+              <a:schemeClr val="phClr">
+                <a:satMod val="110000"/>
+                <a:lumMod val="100000"/>
+                <a:shade val="100000"/>
+              </a:schemeClr>
+            </a:gs>
+            <a:gs pos="100000">
+              <a:schemeClr val="phClr">
+                <a:lumMod val="99000"/>
+                <a:satMod val="120000"/>
+                <a:shade val="78000"/>
+              </a:schemeClr>
+            </a:gs>
+          </a:gsLst>
+          <a:lin ang="5400000" scaled="0"/>
+        </a:gradFill>
+      </a:fillStyleLst>
+      <a:lnStyleLst>
+        <a:ln w="6350" cap="flat" cmpd="sng" algn="ctr">
+          <a:solidFill>
+            <a:schemeClr val="phClr"/>
+          </a:solidFill>
+          <a:prstDash val="solid"/>
+          <a:miter lim="800000"/>
+        </a:ln>
+        <a:ln w="12700" cap="flat" cmpd="sng" algn="ctr">
+          <a:solidFill>
+            <a:schemeClr val="phClr"/>
+          </a:solidFill>
+          <a:prstDash val="solid"/>
+          <a:miter lim="800000"/>
+        </a:ln>
+        <a:ln w="19050" cap="flat" cmpd="sng" algn="ctr">
+          <a:solidFill>
+            <a:schemeClr val="phClr"/>
+          </a:solidFill>
+          <a:prstDash val="solid"/>
+          <a:miter lim="800000"/>
+        </a:ln>
+      </a:lnStyleLst>
+      <a:effectStyleLst>
+        <a:effectStyle>
+          <a:effectLst/>
+        </a:effectStyle>
+        <a:effectStyle>
+          <a:effectLst/>
+        </a:effectStyle>
+        <a:effectStyle>
+          <a:effectLst>
+            <a:outerShdw blurRad="57150" dist="19050" dir="5400000" algn="ctr" rotWithShape="0">
+              <a:srgbClr val="000000">
+                <a:alpha val="63000"/>
+              </a:srgbClr>
+            </a:outerShdw>
+          </a:effectLst>
+        </a:effectStyle>
+      </a:effectStyleLst>
+      <a:bgFillStyleLst>
+        <a:solidFill>
+          <a:schemeClr val="phClr"/>
+        </a:solidFill>
+        <a:solidFill>
+          <a:schemeClr val="phClr">
+            <a:tint val="95000"/>
+            <a:satMod val="170000"/>
+          </a:schemeClr>
+        </a:solidFill>
+        <a:gradFill rotWithShape="1">
+          <a:gsLst>
+            <a:gs pos="0">
+              <a:schemeClr val="phClr">
+                <a:tint val="93000"/>
+                <a:satMod val="150000"/>
+                <a:shade val="98000"/>
+                <a:lumMod val="102000"/>
+              </a:schemeClr>
+            </a:gs>
+            <a:gs pos="50000">
+              <a:schemeClr val="phClr">
+                <a:tint val="98000"/>
+                <a:satMod val="130000"/>
+                <a:shade val="90000"/>
+                <a:lumMod val="103000"/>
+              </a:schemeClr>
+            </a:gs>
+            <a:gs pos="100000">
+              <a:schemeClr val="phClr">
+                <a:shade val="63000"/>
+                <a:satMod val="120000"/>
+              </a:schemeClr>
+            </a:gs>
+          </a:gsLst>
+          <a:lin ang="5400000" scaled="0"/>
+        </a:gradFill>
+      </a:bgFillStyleLst>
+    </a:fmtScheme>
+  </a:themeElements>
+  <a:objectDefaults/>
+  <a:extraClrSchemeLst/>
+  <a:extLst>
+    <a:ext uri="{05A4C25C-085E-4340-85A3-A5531E510DB2}">
+      <thm15:themeFamily xmlns:thm15="http://schemas.microsoft.com/office/thememl/2012/main" name="Office Theme" id="{62F939B6-93AF-4DB8-9C6B-D6C7DFDC589F}" vid="{4A3C46E8-61CC-4603-A589-7422A47A8E4A}"/>
+    </a:ext>
+  </a:extLst>
+</a:theme>
 </file>
--- a/Ironhack.pptx
+++ b/Ironhack.pptx
@@ -537,7 +537,7 @@
               <a:t>inter-comparación</a:t>
             </a:r>
             <a:r>
-              <a:rPr lang="es-ES" b="1" i="0">
+              <a:rPr lang="es-ES" b="1" i="0" dirty="0">
                 <a:solidFill>
                   <a:srgbClr val="202122"/>
                 </a:solidFill>
@@ -547,7 +547,7 @@
               <a:t> de modelos de clima acoplados  </a:t>
             </a:r>
             <a:r>
-              <a:rPr lang="es-ES" b="0" i="0">
+              <a:rPr lang="es-ES" b="0" i="0" dirty="0">
                 <a:solidFill>
                   <a:srgbClr val="202122"/>
                 </a:solidFill>
@@ -556,7 +556,7 @@
               </a:rPr>
               <a:t> sexto informe del IPCC es 2020</a:t>
             </a:r>
-            <a:endParaRPr lang="en-GB"/>
+            <a:endParaRPr lang="en-GB" dirty="0"/>
           </a:p>
         </p:txBody>
       </p:sp>
@@ -4650,7 +4650,12 @@
             <p:ph idx="1"/>
           </p:nvPr>
         </p:nvSpPr>
-        <p:spPr/>
+        <p:spPr>
+          <a:xfrm>
+            <a:off x="676656" y="2011680"/>
+            <a:ext cx="6432067" cy="3766185"/>
+          </a:xfrm>
+        </p:spPr>
         <p:txBody>
           <a:bodyPr/>
           <a:lstStyle/>
@@ -4794,7 +4799,7 @@
         </p:blipFill>
         <p:spPr bwMode="auto">
           <a:xfrm>
-            <a:off x="8034434" y="3342691"/>
+            <a:off x="7660808" y="2457787"/>
             <a:ext cx="3638161" cy="1559212"/>
           </a:xfrm>
           <a:prstGeom prst="rect">
@@ -6980,12 +6985,14 @@
         </p:nvSpPr>
         <p:spPr>
           <a:xfrm>
-            <a:off x="667327" y="2534194"/>
-            <a:ext cx="5089662" cy="3605349"/>
+            <a:off x="3584699" y="2675709"/>
+            <a:ext cx="4764644" cy="2299062"/>
           </a:xfrm>
         </p:spPr>
         <p:txBody>
-          <a:bodyPr/>
+          <a:bodyPr>
+            <a:normAutofit/>
+          </a:bodyPr>
           <a:lstStyle/>
           <a:p>
             <a:pPr>
@@ -6993,7 +7000,7 @@
               <a:buChar char="•"/>
             </a:pPr>
             <a:r>
-              <a:rPr lang="en-GB" dirty="0">
+              <a:rPr lang="en-GB" sz="3200" dirty="0">
                 <a:latin typeface="Montserrat" panose="02000505000000020004" pitchFamily="2" charset="0"/>
               </a:rPr>
               <a:t> Replicable </a:t>
@@ -7005,19 +7012,19 @@
               <a:buChar char="•"/>
             </a:pPr>
             <a:r>
-              <a:rPr lang="en-GB" dirty="0">
+              <a:rPr lang="en-GB" sz="3200" dirty="0">
                 <a:latin typeface="Montserrat" panose="02000505000000020004" pitchFamily="2" charset="0"/>
               </a:rPr>
               <a:t> </a:t>
             </a:r>
             <a:r>
-              <a:rPr lang="en-GB" dirty="0" err="1">
+              <a:rPr lang="en-GB" sz="3200" dirty="0" err="1">
                 <a:latin typeface="Montserrat" panose="02000505000000020004" pitchFamily="2" charset="0"/>
               </a:rPr>
               <a:t>Escalable</a:t>
             </a:r>
             <a:r>
-              <a:rPr lang="en-GB" dirty="0">
+              <a:rPr lang="en-GB" sz="3200" dirty="0">
                 <a:latin typeface="Montserrat" panose="02000505000000020004" pitchFamily="2" charset="0"/>
               </a:rPr>
               <a:t> </a:t>
@@ -7029,19 +7036,19 @@
               <a:buChar char="•"/>
             </a:pPr>
             <a:r>
-              <a:rPr lang="en-GB" dirty="0">
+              <a:rPr lang="en-GB" sz="3200" dirty="0">
                 <a:latin typeface="Montserrat" panose="02000505000000020004" pitchFamily="2" charset="0"/>
               </a:rPr>
               <a:t> </a:t>
             </a:r>
             <a:r>
-              <a:rPr lang="en-GB" dirty="0" err="1">
+              <a:rPr lang="en-GB" sz="3200" dirty="0" err="1">
                 <a:latin typeface="Montserrat" panose="02000505000000020004" pitchFamily="2" charset="0"/>
               </a:rPr>
               <a:t>Solución</a:t>
             </a:r>
             <a:r>
-              <a:rPr lang="en-GB" dirty="0">
+              <a:rPr lang="en-GB" sz="3200" dirty="0">
                 <a:latin typeface="Montserrat" panose="02000505000000020004" pitchFamily="2" charset="0"/>
               </a:rPr>
               <a:t> global</a:t>
@@ -7052,7 +7059,7 @@
               <a:buFont typeface="Arial" panose="020B0604020202020204" pitchFamily="34" charset="0"/>
               <a:buChar char="•"/>
             </a:pPr>
-            <a:endParaRPr lang="en-GB" dirty="0">
+            <a:endParaRPr lang="en-GB" sz="3200" dirty="0">
               <a:latin typeface="Montserrat" panose="02000505000000020004" pitchFamily="2" charset="0"/>
             </a:endParaRPr>
           </a:p>
